--- a/Presentation_WarInUkraine.pptx
+++ b/Presentation_WarInUkraine.pptx
@@ -14,16 +14,22 @@
     <p:sldId id="259" r:id="rId9"/>
     <p:sldId id="260" r:id="rId10"/>
     <p:sldId id="261" r:id="rId11"/>
+    <p:sldId id="262" r:id="rId12"/>
+    <p:sldId id="263" r:id="rId13"/>
+    <p:sldId id="264" r:id="rId14"/>
+    <p:sldId id="265" r:id="rId15"/>
+    <p:sldId id="266" r:id="rId16"/>
+    <p:sldId id="267" r:id="rId17"/>
   </p:sldIdLst>
   <p:sldSz cy="5143500" cx="9144000"/>
   <p:notesSz cx="6858000" cy="9144000"/>
   <p:embeddedFontLst>
     <p:embeddedFont>
       <p:font typeface="Roboto"/>
-      <p:regular r:id="rId12"/>
-      <p:bold r:id="rId13"/>
-      <p:italic r:id="rId14"/>
-      <p:boldItalic r:id="rId15"/>
+      <p:regular r:id="rId18"/>
+      <p:bold r:id="rId19"/>
+      <p:italic r:id="rId20"/>
+      <p:boldItalic r:id="rId21"/>
     </p:embeddedFont>
   </p:embeddedFontLst>
   <p:defaultTextStyle>
@@ -799,6 +805,303 @@
 </p:notes>
 </file>
 
+<file path=ppt/notesSlides/notesSlide10.xml><?xml version="1.0" encoding="utf-8"?>
+<p:notes xmlns:a="http://schemas.openxmlformats.org/drawingml/2006/main" xmlns:r="http://schemas.openxmlformats.org/officeDocument/2006/relationships" xmlns:mc="http://schemas.openxmlformats.org/markup-compatibility/2006" xmlns:mv="urn:schemas-microsoft-com:mac:vml" xmlns:p="http://schemas.openxmlformats.org/presentationml/2006/main" xmlns:c="http://schemas.openxmlformats.org/drawingml/2006/chart" xmlns:dgm="http://schemas.openxmlformats.org/drawingml/2006/diagram" xmlns:o="urn:schemas-microsoft-com:office:office" xmlns:v="urn:schemas-microsoft-com:vml" xmlns:pvml="urn:schemas-microsoft-com:office:powerpoint" xmlns:com="http://schemas.openxmlformats.org/drawingml/2006/compatibility" xmlns:p14="http://schemas.microsoft.com/office/powerpoint/2010/main" xmlns:p15="http://schemas.microsoft.com/office/powerpoint/2012/main" xmlns:ahyp="http://schemas.microsoft.com/office/drawing/2018/hyperlinkcolor" showMasterPhAnim="0" showMasterSp="0">
+  <p:cSld>
+    <p:spTree>
+      <p:nvGrpSpPr>
+        <p:cNvPr id="178" name="Shape 178"/>
+        <p:cNvGrpSpPr/>
+        <p:nvPr/>
+      </p:nvGrpSpPr>
+      <p:grpSpPr>
+        <a:xfrm>
+          <a:off x="0" y="0"/>
+          <a:ext cx="0" cy="0"/>
+          <a:chOff x="0" y="0"/>
+          <a:chExt cx="0" cy="0"/>
+        </a:xfrm>
+      </p:grpSpPr>
+      <p:sp>
+        <p:nvSpPr>
+          <p:cNvPr id="179" name="Google Shape;179;g11e4557ec18_0_139:notes"/>
+          <p:cNvSpPr/>
+          <p:nvPr>
+            <p:ph idx="2" type="sldImg"/>
+          </p:nvPr>
+        </p:nvSpPr>
+        <p:spPr>
+          <a:xfrm>
+            <a:off x="381300" y="685800"/>
+            <a:ext cx="6096000" cy="3429000"/>
+          </a:xfrm>
+          <a:custGeom>
+            <a:rect b="b" l="l" r="r" t="t"/>
+            <a:pathLst>
+              <a:path extrusionOk="0" h="120000" w="120000">
+                <a:moveTo>
+                  <a:pt x="0" y="0"/>
+                </a:moveTo>
+                <a:lnTo>
+                  <a:pt x="120000" y="0"/>
+                </a:lnTo>
+                <a:lnTo>
+                  <a:pt x="120000" y="120000"/>
+                </a:lnTo>
+                <a:lnTo>
+                  <a:pt x="0" y="120000"/>
+                </a:lnTo>
+                <a:close/>
+              </a:path>
+            </a:pathLst>
+          </a:custGeom>
+        </p:spPr>
+      </p:sp>
+      <p:sp>
+        <p:nvSpPr>
+          <p:cNvPr id="180" name="Google Shape;180;g11e4557ec18_0_139:notes"/>
+          <p:cNvSpPr txBox="1"/>
+          <p:nvPr>
+            <p:ph idx="1" type="body"/>
+          </p:nvPr>
+        </p:nvSpPr>
+        <p:spPr>
+          <a:xfrm>
+            <a:off x="685800" y="4343400"/>
+            <a:ext cx="5486400" cy="4114800"/>
+          </a:xfrm>
+          <a:prstGeom prst="rect">
+            <a:avLst/>
+          </a:prstGeom>
+        </p:spPr>
+        <p:txBody>
+          <a:bodyPr anchorCtr="0" anchor="t" bIns="91425" lIns="91425" spcFirstLastPara="1" rIns="91425" wrap="square" tIns="91425">
+            <a:noAutofit/>
+          </a:bodyPr>
+          <a:lstStyle/>
+          <a:p>
+            <a:pPr indent="0" lvl="0" marL="0" rtl="0" algn="l">
+              <a:spcBef>
+                <a:spcPts val="0"/>
+              </a:spcBef>
+              <a:spcAft>
+                <a:spcPts val="0"/>
+              </a:spcAft>
+              <a:buNone/>
+            </a:pPr>
+            <a:r>
+              <a:t/>
+            </a:r>
+            <a:endParaRPr/>
+          </a:p>
+        </p:txBody>
+      </p:sp>
+    </p:spTree>
+  </p:cSld>
+  <p:clrMapOvr>
+    <a:masterClrMapping/>
+  </p:clrMapOvr>
+</p:notes>
+</file>
+
+<file path=ppt/notesSlides/notesSlide11.xml><?xml version="1.0" encoding="utf-8"?>
+<p:notes xmlns:a="http://schemas.openxmlformats.org/drawingml/2006/main" xmlns:r="http://schemas.openxmlformats.org/officeDocument/2006/relationships" xmlns:mc="http://schemas.openxmlformats.org/markup-compatibility/2006" xmlns:mv="urn:schemas-microsoft-com:mac:vml" xmlns:p="http://schemas.openxmlformats.org/presentationml/2006/main" xmlns:c="http://schemas.openxmlformats.org/drawingml/2006/chart" xmlns:dgm="http://schemas.openxmlformats.org/drawingml/2006/diagram" xmlns:o="urn:schemas-microsoft-com:office:office" xmlns:v="urn:schemas-microsoft-com:vml" xmlns:pvml="urn:schemas-microsoft-com:office:powerpoint" xmlns:com="http://schemas.openxmlformats.org/drawingml/2006/compatibility" xmlns:p14="http://schemas.microsoft.com/office/powerpoint/2010/main" xmlns:p15="http://schemas.microsoft.com/office/powerpoint/2012/main" xmlns:ahyp="http://schemas.microsoft.com/office/drawing/2018/hyperlinkcolor" showMasterPhAnim="0" showMasterSp="0">
+  <p:cSld>
+    <p:spTree>
+      <p:nvGrpSpPr>
+        <p:cNvPr id="183" name="Shape 183"/>
+        <p:cNvGrpSpPr/>
+        <p:nvPr/>
+      </p:nvGrpSpPr>
+      <p:grpSpPr>
+        <a:xfrm>
+          <a:off x="0" y="0"/>
+          <a:ext cx="0" cy="0"/>
+          <a:chOff x="0" y="0"/>
+          <a:chExt cx="0" cy="0"/>
+        </a:xfrm>
+      </p:grpSpPr>
+      <p:sp>
+        <p:nvSpPr>
+          <p:cNvPr id="184" name="Google Shape;184;g11e4557ec18_0_36:notes"/>
+          <p:cNvSpPr/>
+          <p:nvPr>
+            <p:ph idx="2" type="sldImg"/>
+          </p:nvPr>
+        </p:nvSpPr>
+        <p:spPr>
+          <a:xfrm>
+            <a:off x="381188" y="685800"/>
+            <a:ext cx="6096300" cy="3429000"/>
+          </a:xfrm>
+          <a:custGeom>
+            <a:rect b="b" l="l" r="r" t="t"/>
+            <a:pathLst>
+              <a:path extrusionOk="0" h="120000" w="120000">
+                <a:moveTo>
+                  <a:pt x="0" y="0"/>
+                </a:moveTo>
+                <a:lnTo>
+                  <a:pt x="120000" y="0"/>
+                </a:lnTo>
+                <a:lnTo>
+                  <a:pt x="120000" y="120000"/>
+                </a:lnTo>
+                <a:lnTo>
+                  <a:pt x="0" y="120000"/>
+                </a:lnTo>
+                <a:close/>
+              </a:path>
+            </a:pathLst>
+          </a:custGeom>
+        </p:spPr>
+      </p:sp>
+      <p:sp>
+        <p:nvSpPr>
+          <p:cNvPr id="185" name="Google Shape;185;g11e4557ec18_0_36:notes"/>
+          <p:cNvSpPr txBox="1"/>
+          <p:nvPr>
+            <p:ph idx="1" type="body"/>
+          </p:nvPr>
+        </p:nvSpPr>
+        <p:spPr>
+          <a:xfrm>
+            <a:off x="685800" y="4343400"/>
+            <a:ext cx="5486400" cy="4114800"/>
+          </a:xfrm>
+          <a:prstGeom prst="rect">
+            <a:avLst/>
+          </a:prstGeom>
+        </p:spPr>
+        <p:txBody>
+          <a:bodyPr anchorCtr="0" anchor="t" bIns="91425" lIns="91425" spcFirstLastPara="1" rIns="91425" wrap="square" tIns="91425">
+            <a:noAutofit/>
+          </a:bodyPr>
+          <a:lstStyle/>
+          <a:p>
+            <a:pPr indent="0" lvl="0" marL="0" rtl="0" algn="l">
+              <a:spcBef>
+                <a:spcPts val="0"/>
+              </a:spcBef>
+              <a:spcAft>
+                <a:spcPts val="0"/>
+              </a:spcAft>
+              <a:buNone/>
+            </a:pPr>
+            <a:r>
+              <a:t/>
+            </a:r>
+            <a:endParaRPr/>
+          </a:p>
+        </p:txBody>
+      </p:sp>
+    </p:spTree>
+  </p:cSld>
+  <p:clrMapOvr>
+    <a:masterClrMapping/>
+  </p:clrMapOvr>
+</p:notes>
+</file>
+
+<file path=ppt/notesSlides/notesSlide12.xml><?xml version="1.0" encoding="utf-8"?>
+<p:notes xmlns:a="http://schemas.openxmlformats.org/drawingml/2006/main" xmlns:r="http://schemas.openxmlformats.org/officeDocument/2006/relationships" xmlns:mc="http://schemas.openxmlformats.org/markup-compatibility/2006" xmlns:mv="urn:schemas-microsoft-com:mac:vml" xmlns:p="http://schemas.openxmlformats.org/presentationml/2006/main" xmlns:c="http://schemas.openxmlformats.org/drawingml/2006/chart" xmlns:dgm="http://schemas.openxmlformats.org/drawingml/2006/diagram" xmlns:o="urn:schemas-microsoft-com:office:office" xmlns:v="urn:schemas-microsoft-com:vml" xmlns:pvml="urn:schemas-microsoft-com:office:powerpoint" xmlns:com="http://schemas.openxmlformats.org/drawingml/2006/compatibility" xmlns:p14="http://schemas.microsoft.com/office/powerpoint/2010/main" xmlns:p15="http://schemas.microsoft.com/office/powerpoint/2012/main" xmlns:ahyp="http://schemas.microsoft.com/office/drawing/2018/hyperlinkcolor" showMasterPhAnim="0" showMasterSp="0">
+  <p:cSld>
+    <p:spTree>
+      <p:nvGrpSpPr>
+        <p:cNvPr id="203" name="Shape 203"/>
+        <p:cNvGrpSpPr/>
+        <p:nvPr/>
+      </p:nvGrpSpPr>
+      <p:grpSpPr>
+        <a:xfrm>
+          <a:off x="0" y="0"/>
+          <a:ext cx="0" cy="0"/>
+          <a:chOff x="0" y="0"/>
+          <a:chExt cx="0" cy="0"/>
+        </a:xfrm>
+      </p:grpSpPr>
+      <p:sp>
+        <p:nvSpPr>
+          <p:cNvPr id="204" name="Google Shape;204;g11e4557ec18_0_133:notes"/>
+          <p:cNvSpPr/>
+          <p:nvPr>
+            <p:ph idx="2" type="sldImg"/>
+          </p:nvPr>
+        </p:nvSpPr>
+        <p:spPr>
+          <a:xfrm>
+            <a:off x="381300" y="685800"/>
+            <a:ext cx="6096000" cy="3429000"/>
+          </a:xfrm>
+          <a:custGeom>
+            <a:rect b="b" l="l" r="r" t="t"/>
+            <a:pathLst>
+              <a:path extrusionOk="0" h="120000" w="120000">
+                <a:moveTo>
+                  <a:pt x="0" y="0"/>
+                </a:moveTo>
+                <a:lnTo>
+                  <a:pt x="120000" y="0"/>
+                </a:lnTo>
+                <a:lnTo>
+                  <a:pt x="120000" y="120000"/>
+                </a:lnTo>
+                <a:lnTo>
+                  <a:pt x="0" y="120000"/>
+                </a:lnTo>
+                <a:close/>
+              </a:path>
+            </a:pathLst>
+          </a:custGeom>
+        </p:spPr>
+      </p:sp>
+      <p:sp>
+        <p:nvSpPr>
+          <p:cNvPr id="205" name="Google Shape;205;g11e4557ec18_0_133:notes"/>
+          <p:cNvSpPr txBox="1"/>
+          <p:nvPr>
+            <p:ph idx="1" type="body"/>
+          </p:nvPr>
+        </p:nvSpPr>
+        <p:spPr>
+          <a:xfrm>
+            <a:off x="685800" y="4343400"/>
+            <a:ext cx="5486400" cy="4114800"/>
+          </a:xfrm>
+          <a:prstGeom prst="rect">
+            <a:avLst/>
+          </a:prstGeom>
+        </p:spPr>
+        <p:txBody>
+          <a:bodyPr anchorCtr="0" anchor="t" bIns="91425" lIns="91425" spcFirstLastPara="1" rIns="91425" wrap="square" tIns="91425">
+            <a:noAutofit/>
+          </a:bodyPr>
+          <a:lstStyle/>
+          <a:p>
+            <a:pPr indent="0" lvl="0" marL="0" rtl="0" algn="l">
+              <a:spcBef>
+                <a:spcPts val="0"/>
+              </a:spcBef>
+              <a:spcAft>
+                <a:spcPts val="0"/>
+              </a:spcAft>
+              <a:buNone/>
+            </a:pPr>
+            <a:r>
+              <a:t/>
+            </a:r>
+            <a:endParaRPr/>
+          </a:p>
+        </p:txBody>
+      </p:sp>
+    </p:spTree>
+  </p:cSld>
+  <p:clrMapOvr>
+    <a:masterClrMapping/>
+  </p:clrMapOvr>
+</p:notes>
+</file>
+
 <file path=ppt/notesSlides/notesSlide2.xml><?xml version="1.0" encoding="utf-8"?>
 <p:notes xmlns:a="http://schemas.openxmlformats.org/drawingml/2006/main" xmlns:r="http://schemas.openxmlformats.org/officeDocument/2006/relationships" xmlns:mc="http://schemas.openxmlformats.org/markup-compatibility/2006" xmlns:mv="urn:schemas-microsoft-com:mac:vml" xmlns:p="http://schemas.openxmlformats.org/presentationml/2006/main" xmlns:c="http://schemas.openxmlformats.org/drawingml/2006/chart" xmlns:dgm="http://schemas.openxmlformats.org/drawingml/2006/diagram" xmlns:o="urn:schemas-microsoft-com:office:office" xmlns:v="urn:schemas-microsoft-com:vml" xmlns:pvml="urn:schemas-microsoft-com:office:powerpoint" xmlns:com="http://schemas.openxmlformats.org/drawingml/2006/compatibility" xmlns:p14="http://schemas.microsoft.com/office/powerpoint/2010/main" xmlns:p15="http://schemas.microsoft.com/office/powerpoint/2012/main" xmlns:ahyp="http://schemas.microsoft.com/office/drawing/2018/hyperlinkcolor" showMasterPhAnim="0" showMasterSp="0">
   <p:cSld>
@@ -984,8 +1287,7 @@
               <a:buNone/>
             </a:pPr>
             <a:r>
-              <a:rPr lang="pt-BR"/>
-              <a:t>***Plot will be updated.</a:t>
+              <a:t/>
             </a:r>
             <a:endParaRPr/>
           </a:p>
@@ -1004,7 +1306,7 @@
   <p:cSld>
     <p:spTree>
       <p:nvGrpSpPr>
-        <p:cNvPr id="102" name="Shape 102"/>
+        <p:cNvPr id="103" name="Shape 103"/>
         <p:cNvGrpSpPr/>
         <p:nvPr/>
       </p:nvGrpSpPr>
@@ -1018,7 +1320,7 @@
       </p:grpSpPr>
       <p:sp>
         <p:nvSpPr>
-          <p:cNvPr id="103" name="Google Shape;103;g11e4557ec18_0_6:notes"/>
+          <p:cNvPr id="104" name="Google Shape;104;g11e4557ec18_0_6:notes"/>
           <p:cNvSpPr/>
           <p:nvPr>
             <p:ph idx="2" type="sldImg"/>
@@ -1053,7 +1355,7 @@
       </p:sp>
       <p:sp>
         <p:nvSpPr>
-          <p:cNvPr id="104" name="Google Shape;104;g11e4557ec18_0_6:notes"/>
+          <p:cNvPr id="105" name="Google Shape;105;g11e4557ec18_0_6:notes"/>
           <p:cNvSpPr txBox="1"/>
           <p:nvPr>
             <p:ph idx="1" type="body"/>
@@ -1130,7 +1432,7 @@
   <p:cSld>
     <p:spTree>
       <p:nvGrpSpPr>
-        <p:cNvPr id="108" name="Shape 108"/>
+        <p:cNvPr id="109" name="Shape 109"/>
         <p:cNvGrpSpPr/>
         <p:nvPr/>
       </p:nvGrpSpPr>
@@ -1144,7 +1446,106 @@
       </p:grpSpPr>
       <p:sp>
         <p:nvSpPr>
-          <p:cNvPr id="109" name="Google Shape;109;gc6f9e470d_0_126:notes"/>
+          <p:cNvPr id="110" name="Google Shape;110;g11e4557ec18_0_163:notes"/>
+          <p:cNvSpPr/>
+          <p:nvPr>
+            <p:ph idx="2" type="sldImg"/>
+          </p:nvPr>
+        </p:nvSpPr>
+        <p:spPr>
+          <a:xfrm>
+            <a:off x="381300" y="685800"/>
+            <a:ext cx="6096000" cy="3429000"/>
+          </a:xfrm>
+          <a:custGeom>
+            <a:rect b="b" l="l" r="r" t="t"/>
+            <a:pathLst>
+              <a:path extrusionOk="0" h="120000" w="120000">
+                <a:moveTo>
+                  <a:pt x="0" y="0"/>
+                </a:moveTo>
+                <a:lnTo>
+                  <a:pt x="120000" y="0"/>
+                </a:lnTo>
+                <a:lnTo>
+                  <a:pt x="120000" y="120000"/>
+                </a:lnTo>
+                <a:lnTo>
+                  <a:pt x="0" y="120000"/>
+                </a:lnTo>
+                <a:close/>
+              </a:path>
+            </a:pathLst>
+          </a:custGeom>
+        </p:spPr>
+      </p:sp>
+      <p:sp>
+        <p:nvSpPr>
+          <p:cNvPr id="111" name="Google Shape;111;g11e4557ec18_0_163:notes"/>
+          <p:cNvSpPr txBox="1"/>
+          <p:nvPr>
+            <p:ph idx="1" type="body"/>
+          </p:nvPr>
+        </p:nvSpPr>
+        <p:spPr>
+          <a:xfrm>
+            <a:off x="685800" y="4343400"/>
+            <a:ext cx="5486400" cy="4114800"/>
+          </a:xfrm>
+          <a:prstGeom prst="rect">
+            <a:avLst/>
+          </a:prstGeom>
+        </p:spPr>
+        <p:txBody>
+          <a:bodyPr anchorCtr="0" anchor="t" bIns="91425" lIns="91425" spcFirstLastPara="1" rIns="91425" wrap="square" tIns="91425">
+            <a:noAutofit/>
+          </a:bodyPr>
+          <a:lstStyle/>
+          <a:p>
+            <a:pPr indent="0" lvl="0" marL="0" rtl="0" algn="l">
+              <a:spcBef>
+                <a:spcPts val="0"/>
+              </a:spcBef>
+              <a:spcAft>
+                <a:spcPts val="0"/>
+              </a:spcAft>
+              <a:buNone/>
+            </a:pPr>
+            <a:r>
+              <a:t/>
+            </a:r>
+            <a:endParaRPr/>
+          </a:p>
+        </p:txBody>
+      </p:sp>
+    </p:spTree>
+  </p:cSld>
+  <p:clrMapOvr>
+    <a:masterClrMapping/>
+  </p:clrMapOvr>
+</p:notes>
+</file>
+
+<file path=ppt/notesSlides/notesSlide6.xml><?xml version="1.0" encoding="utf-8"?>
+<p:notes xmlns:a="http://schemas.openxmlformats.org/drawingml/2006/main" xmlns:r="http://schemas.openxmlformats.org/officeDocument/2006/relationships" xmlns:mc="http://schemas.openxmlformats.org/markup-compatibility/2006" xmlns:mv="urn:schemas-microsoft-com:mac:vml" xmlns:p="http://schemas.openxmlformats.org/presentationml/2006/main" xmlns:c="http://schemas.openxmlformats.org/drawingml/2006/chart" xmlns:dgm="http://schemas.openxmlformats.org/drawingml/2006/diagram" xmlns:o="urn:schemas-microsoft-com:office:office" xmlns:v="urn:schemas-microsoft-com:vml" xmlns:pvml="urn:schemas-microsoft-com:office:powerpoint" xmlns:com="http://schemas.openxmlformats.org/drawingml/2006/compatibility" xmlns:p14="http://schemas.microsoft.com/office/powerpoint/2010/main" xmlns:p15="http://schemas.microsoft.com/office/powerpoint/2012/main" xmlns:ahyp="http://schemas.microsoft.com/office/drawing/2018/hyperlinkcolor" showMasterPhAnim="0" showMasterSp="0">
+  <p:cSld>
+    <p:spTree>
+      <p:nvGrpSpPr>
+        <p:cNvPr id="114" name="Shape 114"/>
+        <p:cNvGrpSpPr/>
+        <p:nvPr/>
+      </p:nvGrpSpPr>
+      <p:grpSpPr>
+        <a:xfrm>
+          <a:off x="0" y="0"/>
+          <a:ext cx="0" cy="0"/>
+          <a:chOff x="0" y="0"/>
+          <a:chExt cx="0" cy="0"/>
+        </a:xfrm>
+      </p:grpSpPr>
+      <p:sp>
+        <p:nvSpPr>
+          <p:cNvPr id="115" name="Google Shape;115;gc6f9e470d_0_126:notes"/>
           <p:cNvSpPr/>
           <p:nvPr>
             <p:ph idx="2" type="sldImg"/>
@@ -1179,7 +1580,7 @@
       </p:sp>
       <p:sp>
         <p:nvSpPr>
-          <p:cNvPr id="110" name="Google Shape;110;gc6f9e470d_0_126:notes"/>
+          <p:cNvPr id="116" name="Google Shape;116;gc6f9e470d_0_126:notes"/>
           <p:cNvSpPr txBox="1"/>
           <p:nvPr>
             <p:ph idx="1" type="body"/>
@@ -1224,12 +1625,12 @@
 </p:notes>
 </file>
 
-<file path=ppt/notesSlides/notesSlide6.xml><?xml version="1.0" encoding="utf-8"?>
+<file path=ppt/notesSlides/notesSlide7.xml><?xml version="1.0" encoding="utf-8"?>
 <p:notes xmlns:a="http://schemas.openxmlformats.org/drawingml/2006/main" xmlns:r="http://schemas.openxmlformats.org/officeDocument/2006/relationships" xmlns:mc="http://schemas.openxmlformats.org/markup-compatibility/2006" xmlns:mv="urn:schemas-microsoft-com:mac:vml" xmlns:p="http://schemas.openxmlformats.org/presentationml/2006/main" xmlns:c="http://schemas.openxmlformats.org/drawingml/2006/chart" xmlns:dgm="http://schemas.openxmlformats.org/drawingml/2006/diagram" xmlns:o="urn:schemas-microsoft-com:office:office" xmlns:v="urn:schemas-microsoft-com:vml" xmlns:pvml="urn:schemas-microsoft-com:office:powerpoint" xmlns:com="http://schemas.openxmlformats.org/drawingml/2006/compatibility" xmlns:p14="http://schemas.microsoft.com/office/powerpoint/2010/main" xmlns:p15="http://schemas.microsoft.com/office/powerpoint/2012/main" xmlns:ahyp="http://schemas.microsoft.com/office/drawing/2018/hyperlinkcolor" showMasterPhAnim="0" showMasterSp="0">
   <p:cSld>
     <p:spTree>
       <p:nvGrpSpPr>
-        <p:cNvPr id="149" name="Shape 149"/>
+        <p:cNvPr id="155" name="Shape 155"/>
         <p:cNvGrpSpPr/>
         <p:nvPr/>
       </p:nvGrpSpPr>
@@ -1243,7 +1644,7 @@
       </p:grpSpPr>
       <p:sp>
         <p:nvSpPr>
-          <p:cNvPr id="150" name="Google Shape;150;g11e4557ec18_0_36:notes"/>
+          <p:cNvPr id="156" name="Google Shape;156;g11e4557ec18_0_147:notes"/>
           <p:cNvSpPr/>
           <p:nvPr>
             <p:ph idx="2" type="sldImg"/>
@@ -1251,8 +1652,8 @@
         </p:nvSpPr>
         <p:spPr>
           <a:xfrm>
-            <a:off x="381188" y="685800"/>
-            <a:ext cx="6096300" cy="3429000"/>
+            <a:off x="381300" y="685800"/>
+            <a:ext cx="6096000" cy="3429000"/>
           </a:xfrm>
           <a:custGeom>
             <a:rect b="b" l="l" r="r" t="t"/>
@@ -1278,7 +1679,205 @@
       </p:sp>
       <p:sp>
         <p:nvSpPr>
-          <p:cNvPr id="151" name="Google Shape;151;g11e4557ec18_0_36:notes"/>
+          <p:cNvPr id="157" name="Google Shape;157;g11e4557ec18_0_147:notes"/>
+          <p:cNvSpPr txBox="1"/>
+          <p:nvPr>
+            <p:ph idx="1" type="body"/>
+          </p:nvPr>
+        </p:nvSpPr>
+        <p:spPr>
+          <a:xfrm>
+            <a:off x="685800" y="4343400"/>
+            <a:ext cx="5486400" cy="4114800"/>
+          </a:xfrm>
+          <a:prstGeom prst="rect">
+            <a:avLst/>
+          </a:prstGeom>
+        </p:spPr>
+        <p:txBody>
+          <a:bodyPr anchorCtr="0" anchor="t" bIns="91425" lIns="91425" spcFirstLastPara="1" rIns="91425" wrap="square" tIns="91425">
+            <a:noAutofit/>
+          </a:bodyPr>
+          <a:lstStyle/>
+          <a:p>
+            <a:pPr indent="0" lvl="0" marL="0" rtl="0" algn="l">
+              <a:spcBef>
+                <a:spcPts val="0"/>
+              </a:spcBef>
+              <a:spcAft>
+                <a:spcPts val="0"/>
+              </a:spcAft>
+              <a:buNone/>
+            </a:pPr>
+            <a:r>
+              <a:t/>
+            </a:r>
+            <a:endParaRPr/>
+          </a:p>
+        </p:txBody>
+      </p:sp>
+    </p:spTree>
+  </p:cSld>
+  <p:clrMapOvr>
+    <a:masterClrMapping/>
+  </p:clrMapOvr>
+</p:notes>
+</file>
+
+<file path=ppt/notesSlides/notesSlide8.xml><?xml version="1.0" encoding="utf-8"?>
+<p:notes xmlns:a="http://schemas.openxmlformats.org/drawingml/2006/main" xmlns:r="http://schemas.openxmlformats.org/officeDocument/2006/relationships" xmlns:mc="http://schemas.openxmlformats.org/markup-compatibility/2006" xmlns:mv="urn:schemas-microsoft-com:mac:vml" xmlns:p="http://schemas.openxmlformats.org/presentationml/2006/main" xmlns:c="http://schemas.openxmlformats.org/drawingml/2006/chart" xmlns:dgm="http://schemas.openxmlformats.org/drawingml/2006/diagram" xmlns:o="urn:schemas-microsoft-com:office:office" xmlns:v="urn:schemas-microsoft-com:vml" xmlns:pvml="urn:schemas-microsoft-com:office:powerpoint" xmlns:com="http://schemas.openxmlformats.org/drawingml/2006/compatibility" xmlns:p14="http://schemas.microsoft.com/office/powerpoint/2010/main" xmlns:p15="http://schemas.microsoft.com/office/powerpoint/2012/main" xmlns:ahyp="http://schemas.microsoft.com/office/drawing/2018/hyperlinkcolor" showMasterPhAnim="0" showMasterSp="0">
+  <p:cSld>
+    <p:spTree>
+      <p:nvGrpSpPr>
+        <p:cNvPr id="166" name="Shape 166"/>
+        <p:cNvGrpSpPr/>
+        <p:nvPr/>
+      </p:nvGrpSpPr>
+      <p:grpSpPr>
+        <a:xfrm>
+          <a:off x="0" y="0"/>
+          <a:ext cx="0" cy="0"/>
+          <a:chOff x="0" y="0"/>
+          <a:chExt cx="0" cy="0"/>
+        </a:xfrm>
+      </p:grpSpPr>
+      <p:sp>
+        <p:nvSpPr>
+          <p:cNvPr id="167" name="Google Shape;167;g11e4557ec18_0_168:notes"/>
+          <p:cNvSpPr/>
+          <p:nvPr>
+            <p:ph idx="2" type="sldImg"/>
+          </p:nvPr>
+        </p:nvSpPr>
+        <p:spPr>
+          <a:xfrm>
+            <a:off x="381300" y="685800"/>
+            <a:ext cx="6096000" cy="3429000"/>
+          </a:xfrm>
+          <a:custGeom>
+            <a:rect b="b" l="l" r="r" t="t"/>
+            <a:pathLst>
+              <a:path extrusionOk="0" h="120000" w="120000">
+                <a:moveTo>
+                  <a:pt x="0" y="0"/>
+                </a:moveTo>
+                <a:lnTo>
+                  <a:pt x="120000" y="0"/>
+                </a:lnTo>
+                <a:lnTo>
+                  <a:pt x="120000" y="120000"/>
+                </a:lnTo>
+                <a:lnTo>
+                  <a:pt x="0" y="120000"/>
+                </a:lnTo>
+                <a:close/>
+              </a:path>
+            </a:pathLst>
+          </a:custGeom>
+        </p:spPr>
+      </p:sp>
+      <p:sp>
+        <p:nvSpPr>
+          <p:cNvPr id="168" name="Google Shape;168;g11e4557ec18_0_168:notes"/>
+          <p:cNvSpPr txBox="1"/>
+          <p:nvPr>
+            <p:ph idx="1" type="body"/>
+          </p:nvPr>
+        </p:nvSpPr>
+        <p:spPr>
+          <a:xfrm>
+            <a:off x="685800" y="4343400"/>
+            <a:ext cx="5486400" cy="4114800"/>
+          </a:xfrm>
+          <a:prstGeom prst="rect">
+            <a:avLst/>
+          </a:prstGeom>
+        </p:spPr>
+        <p:txBody>
+          <a:bodyPr anchorCtr="0" anchor="t" bIns="91425" lIns="91425" spcFirstLastPara="1" rIns="91425" wrap="square" tIns="91425">
+            <a:noAutofit/>
+          </a:bodyPr>
+          <a:lstStyle/>
+          <a:p>
+            <a:pPr indent="0" lvl="0" marL="0" rtl="0" algn="l">
+              <a:spcBef>
+                <a:spcPts val="0"/>
+              </a:spcBef>
+              <a:spcAft>
+                <a:spcPts val="0"/>
+              </a:spcAft>
+              <a:buNone/>
+            </a:pPr>
+            <a:r>
+              <a:t/>
+            </a:r>
+            <a:endParaRPr/>
+          </a:p>
+        </p:txBody>
+      </p:sp>
+    </p:spTree>
+  </p:cSld>
+  <p:clrMapOvr>
+    <a:masterClrMapping/>
+  </p:clrMapOvr>
+</p:notes>
+</file>
+
+<file path=ppt/notesSlides/notesSlide9.xml><?xml version="1.0" encoding="utf-8"?>
+<p:notes xmlns:a="http://schemas.openxmlformats.org/drawingml/2006/main" xmlns:r="http://schemas.openxmlformats.org/officeDocument/2006/relationships" xmlns:mc="http://schemas.openxmlformats.org/markup-compatibility/2006" xmlns:mv="urn:schemas-microsoft-com:mac:vml" xmlns:p="http://schemas.openxmlformats.org/presentationml/2006/main" xmlns:c="http://schemas.openxmlformats.org/drawingml/2006/chart" xmlns:dgm="http://schemas.openxmlformats.org/drawingml/2006/diagram" xmlns:o="urn:schemas-microsoft-com:office:office" xmlns:v="urn:schemas-microsoft-com:vml" xmlns:pvml="urn:schemas-microsoft-com:office:powerpoint" xmlns:com="http://schemas.openxmlformats.org/drawingml/2006/compatibility" xmlns:p14="http://schemas.microsoft.com/office/powerpoint/2010/main" xmlns:p15="http://schemas.microsoft.com/office/powerpoint/2012/main" xmlns:ahyp="http://schemas.microsoft.com/office/drawing/2018/hyperlinkcolor" showMasterPhAnim="0" showMasterSp="0">
+  <p:cSld>
+    <p:spTree>
+      <p:nvGrpSpPr>
+        <p:cNvPr id="173" name="Shape 173"/>
+        <p:cNvGrpSpPr/>
+        <p:nvPr/>
+      </p:nvGrpSpPr>
+      <p:grpSpPr>
+        <a:xfrm>
+          <a:off x="0" y="0"/>
+          <a:ext cx="0" cy="0"/>
+          <a:chOff x="0" y="0"/>
+          <a:chExt cx="0" cy="0"/>
+        </a:xfrm>
+      </p:grpSpPr>
+      <p:sp>
+        <p:nvSpPr>
+          <p:cNvPr id="174" name="Google Shape;174;g11e4557ec18_0_143:notes"/>
+          <p:cNvSpPr/>
+          <p:nvPr>
+            <p:ph idx="2" type="sldImg"/>
+          </p:nvPr>
+        </p:nvSpPr>
+        <p:spPr>
+          <a:xfrm>
+            <a:off x="381300" y="685800"/>
+            <a:ext cx="6096000" cy="3429000"/>
+          </a:xfrm>
+          <a:custGeom>
+            <a:rect b="b" l="l" r="r" t="t"/>
+            <a:pathLst>
+              <a:path extrusionOk="0" h="120000" w="120000">
+                <a:moveTo>
+                  <a:pt x="0" y="0"/>
+                </a:moveTo>
+                <a:lnTo>
+                  <a:pt x="120000" y="0"/>
+                </a:lnTo>
+                <a:lnTo>
+                  <a:pt x="120000" y="120000"/>
+                </a:lnTo>
+                <a:lnTo>
+                  <a:pt x="0" y="120000"/>
+                </a:lnTo>
+                <a:close/>
+              </a:path>
+            </a:pathLst>
+          </a:custGeom>
+        </p:spPr>
+      </p:sp>
+      <p:sp>
+        <p:nvSpPr>
+          <p:cNvPr id="175" name="Google Shape;175;g11e4557ec18_0_143:notes"/>
           <p:cNvSpPr txBox="1"/>
           <p:nvPr>
             <p:ph idx="1" type="body"/>
@@ -8028,6 +8627,1095 @@
 </p:sld>
 </file>
 
+<file path=ppt/slides/slide10.xml><?xml version="1.0" encoding="utf-8"?>
+<p:sld xmlns:a="http://schemas.openxmlformats.org/drawingml/2006/main" xmlns:r="http://schemas.openxmlformats.org/officeDocument/2006/relationships" xmlns:mc="http://schemas.openxmlformats.org/markup-compatibility/2006" xmlns:mv="urn:schemas-microsoft-com:mac:vml" xmlns:p="http://schemas.openxmlformats.org/presentationml/2006/main" xmlns:c="http://schemas.openxmlformats.org/drawingml/2006/chart" xmlns:dgm="http://schemas.openxmlformats.org/drawingml/2006/diagram" xmlns:o="urn:schemas-microsoft-com:office:office" xmlns:v="urn:schemas-microsoft-com:vml" xmlns:pvml="urn:schemas-microsoft-com:office:powerpoint" xmlns:com="http://schemas.openxmlformats.org/drawingml/2006/compatibility" xmlns:p14="http://schemas.microsoft.com/office/powerpoint/2010/main" xmlns:p15="http://schemas.microsoft.com/office/powerpoint/2012/main" xmlns:ahyp="http://schemas.microsoft.com/office/drawing/2018/hyperlinkcolor">
+  <p:cSld>
+    <p:spTree>
+      <p:nvGrpSpPr>
+        <p:cNvPr id="181" name="Shape 181"/>
+        <p:cNvGrpSpPr/>
+        <p:nvPr/>
+      </p:nvGrpSpPr>
+      <p:grpSpPr>
+        <a:xfrm>
+          <a:off x="0" y="0"/>
+          <a:ext cx="0" cy="0"/>
+          <a:chOff x="0" y="0"/>
+          <a:chExt cx="0" cy="0"/>
+        </a:xfrm>
+      </p:grpSpPr>
+      <p:sp>
+        <p:nvSpPr>
+          <p:cNvPr id="182" name="Google Shape;182;p22"/>
+          <p:cNvSpPr txBox="1"/>
+          <p:nvPr>
+            <p:ph type="title"/>
+          </p:nvPr>
+        </p:nvSpPr>
+        <p:spPr>
+          <a:xfrm>
+            <a:off x="311700" y="410000"/>
+            <a:ext cx="8520600" cy="607800"/>
+          </a:xfrm>
+          <a:prstGeom prst="rect">
+            <a:avLst/>
+          </a:prstGeom>
+        </p:spPr>
+        <p:txBody>
+          <a:bodyPr anchorCtr="0" anchor="t" bIns="91425" lIns="91425" spcFirstLastPara="1" rIns="91425" wrap="square" tIns="91425">
+            <a:noAutofit/>
+          </a:bodyPr>
+          <a:lstStyle/>
+          <a:p>
+            <a:pPr indent="0" lvl="0" marL="0" rtl="0" algn="l">
+              <a:spcBef>
+                <a:spcPts val="0"/>
+              </a:spcBef>
+              <a:spcAft>
+                <a:spcPts val="0"/>
+              </a:spcAft>
+              <a:buNone/>
+            </a:pPr>
+            <a:r>
+              <a:rPr lang="pt-BR"/>
+              <a:t>Polarity across Time</a:t>
+            </a:r>
+            <a:endParaRPr/>
+          </a:p>
+        </p:txBody>
+      </p:sp>
+    </p:spTree>
+  </p:cSld>
+  <p:clrMapOvr>
+    <a:masterClrMapping/>
+  </p:clrMapOvr>
+</p:sld>
+</file>
+
+<file path=ppt/slides/slide11.xml><?xml version="1.0" encoding="utf-8"?>
+<p:sld xmlns:a="http://schemas.openxmlformats.org/drawingml/2006/main" xmlns:r="http://schemas.openxmlformats.org/officeDocument/2006/relationships" xmlns:mc="http://schemas.openxmlformats.org/markup-compatibility/2006" xmlns:mv="urn:schemas-microsoft-com:mac:vml" xmlns:p="http://schemas.openxmlformats.org/presentationml/2006/main" xmlns:c="http://schemas.openxmlformats.org/drawingml/2006/chart" xmlns:dgm="http://schemas.openxmlformats.org/drawingml/2006/diagram" xmlns:o="urn:schemas-microsoft-com:office:office" xmlns:v="urn:schemas-microsoft-com:vml" xmlns:pvml="urn:schemas-microsoft-com:office:powerpoint" xmlns:com="http://schemas.openxmlformats.org/drawingml/2006/compatibility" xmlns:p14="http://schemas.microsoft.com/office/powerpoint/2010/main" xmlns:p15="http://schemas.microsoft.com/office/powerpoint/2012/main" xmlns:ahyp="http://schemas.microsoft.com/office/drawing/2018/hyperlinkcolor">
+  <p:cSld>
+    <p:spTree>
+      <p:nvGrpSpPr>
+        <p:cNvPr id="186" name="Shape 186"/>
+        <p:cNvGrpSpPr/>
+        <p:nvPr/>
+      </p:nvGrpSpPr>
+      <p:grpSpPr>
+        <a:xfrm>
+          <a:off x="0" y="0"/>
+          <a:ext cx="0" cy="0"/>
+          <a:chOff x="0" y="0"/>
+          <a:chExt cx="0" cy="0"/>
+        </a:xfrm>
+      </p:grpSpPr>
+      <p:sp>
+        <p:nvSpPr>
+          <p:cNvPr id="187" name="Google Shape;187;p23"/>
+          <p:cNvSpPr txBox="1"/>
+          <p:nvPr>
+            <p:ph type="title"/>
+          </p:nvPr>
+        </p:nvSpPr>
+        <p:spPr>
+          <a:xfrm>
+            <a:off x="311700" y="410000"/>
+            <a:ext cx="8520600" cy="607800"/>
+          </a:xfrm>
+          <a:prstGeom prst="rect">
+            <a:avLst/>
+          </a:prstGeom>
+        </p:spPr>
+        <p:txBody>
+          <a:bodyPr anchorCtr="0" anchor="t" bIns="91425" lIns="91425" spcFirstLastPara="1" rIns="91425" wrap="square" tIns="91425">
+            <a:noAutofit/>
+          </a:bodyPr>
+          <a:lstStyle/>
+          <a:p>
+            <a:pPr indent="0" lvl="0" marL="0" rtl="0" algn="l">
+              <a:spcBef>
+                <a:spcPts val="0"/>
+              </a:spcBef>
+              <a:spcAft>
+                <a:spcPts val="0"/>
+              </a:spcAft>
+              <a:buNone/>
+            </a:pPr>
+            <a:r>
+              <a:rPr lang="pt-BR"/>
+              <a:t>Machine Learning Models</a:t>
+            </a:r>
+            <a:endParaRPr/>
+          </a:p>
+        </p:txBody>
+      </p:sp>
+      <p:grpSp>
+        <p:nvGrpSpPr>
+          <p:cNvPr id="188" name="Google Shape;188;p23"/>
+          <p:cNvGrpSpPr/>
+          <p:nvPr/>
+        </p:nvGrpSpPr>
+        <p:grpSpPr>
+          <a:xfrm>
+            <a:off x="431925" y="1304875"/>
+            <a:ext cx="2628925" cy="3416400"/>
+            <a:chOff x="431925" y="1304875"/>
+            <a:chExt cx="2628925" cy="3416400"/>
+          </a:xfrm>
+        </p:grpSpPr>
+        <p:sp>
+          <p:nvSpPr>
+            <p:cNvPr id="189" name="Google Shape;189;p23"/>
+            <p:cNvSpPr txBox="1"/>
+            <p:nvPr/>
+          </p:nvSpPr>
+          <p:spPr>
+            <a:xfrm>
+              <a:off x="431925" y="1304875"/>
+              <a:ext cx="2628900" cy="464100"/>
+            </a:xfrm>
+            <a:prstGeom prst="rect">
+              <a:avLst/>
+            </a:prstGeom>
+            <a:solidFill>
+              <a:schemeClr val="dk1"/>
+            </a:solidFill>
+            <a:ln>
+              <a:noFill/>
+            </a:ln>
+          </p:spPr>
+          <p:txBody>
+            <a:bodyPr anchorCtr="0" anchor="ctr" bIns="91425" lIns="91425" spcFirstLastPara="1" rIns="91425" wrap="square" tIns="91425">
+              <a:noAutofit/>
+            </a:bodyPr>
+            <a:lstStyle/>
+            <a:p>
+              <a:pPr indent="0" lvl="0" marL="0" rtl="0" algn="l">
+                <a:spcBef>
+                  <a:spcPts val="0"/>
+                </a:spcBef>
+                <a:spcAft>
+                  <a:spcPts val="0"/>
+                </a:spcAft>
+                <a:buNone/>
+              </a:pPr>
+              <a:r>
+                <a:t/>
+              </a:r>
+              <a:endParaRPr/>
+            </a:p>
+          </p:txBody>
+        </p:sp>
+        <p:sp>
+          <p:nvSpPr>
+            <p:cNvPr id="190" name="Google Shape;190;p23"/>
+            <p:cNvSpPr/>
+            <p:nvPr/>
+          </p:nvSpPr>
+          <p:spPr>
+            <a:xfrm>
+              <a:off x="431950" y="1304875"/>
+              <a:ext cx="2628900" cy="3416400"/>
+            </a:xfrm>
+            <a:prstGeom prst="rect">
+              <a:avLst/>
+            </a:prstGeom>
+            <a:noFill/>
+            <a:ln cap="flat" cmpd="sng" w="9525">
+              <a:solidFill>
+                <a:schemeClr val="dk1"/>
+              </a:solidFill>
+              <a:prstDash val="solid"/>
+              <a:round/>
+              <a:headEnd len="sm" w="sm" type="none"/>
+              <a:tailEnd len="sm" w="sm" type="none"/>
+            </a:ln>
+          </p:spPr>
+          <p:txBody>
+            <a:bodyPr anchorCtr="0" anchor="ctr" bIns="91425" lIns="91425" spcFirstLastPara="1" rIns="91425" wrap="square" tIns="91425">
+              <a:noAutofit/>
+            </a:bodyPr>
+            <a:lstStyle/>
+            <a:p>
+              <a:pPr indent="0" lvl="0" marL="0" rtl="0" algn="l">
+                <a:spcBef>
+                  <a:spcPts val="0"/>
+                </a:spcBef>
+                <a:spcAft>
+                  <a:spcPts val="0"/>
+                </a:spcAft>
+                <a:buNone/>
+              </a:pPr>
+              <a:r>
+                <a:t/>
+              </a:r>
+              <a:endParaRPr/>
+            </a:p>
+          </p:txBody>
+        </p:sp>
+      </p:grpSp>
+      <p:sp>
+        <p:nvSpPr>
+          <p:cNvPr id="191" name="Google Shape;191;p23"/>
+          <p:cNvSpPr txBox="1"/>
+          <p:nvPr>
+            <p:ph idx="4294967295" type="body"/>
+          </p:nvPr>
+        </p:nvSpPr>
+        <p:spPr>
+          <a:xfrm>
+            <a:off x="506425" y="1304875"/>
+            <a:ext cx="2494500" cy="461400"/>
+          </a:xfrm>
+          <a:prstGeom prst="rect">
+            <a:avLst/>
+          </a:prstGeom>
+        </p:spPr>
+        <p:txBody>
+          <a:bodyPr anchorCtr="0" anchor="t" bIns="91425" lIns="91425" spcFirstLastPara="1" rIns="91425" wrap="square" tIns="91425">
+            <a:noAutofit/>
+          </a:bodyPr>
+          <a:lstStyle/>
+          <a:p>
+            <a:pPr indent="0" lvl="0" marL="0" rtl="0" algn="l">
+              <a:spcBef>
+                <a:spcPts val="0"/>
+              </a:spcBef>
+              <a:spcAft>
+                <a:spcPts val="0"/>
+              </a:spcAft>
+              <a:buNone/>
+            </a:pPr>
+            <a:r>
+              <a:rPr lang="pt-BR" sz="1600">
+                <a:solidFill>
+                  <a:schemeClr val="lt1"/>
+                </a:solidFill>
+              </a:rPr>
+              <a:t>Logistic Regression</a:t>
+            </a:r>
+            <a:endParaRPr sz="1600">
+              <a:solidFill>
+                <a:schemeClr val="lt1"/>
+              </a:solidFill>
+            </a:endParaRPr>
+          </a:p>
+        </p:txBody>
+      </p:sp>
+      <p:sp>
+        <p:nvSpPr>
+          <p:cNvPr id="192" name="Google Shape;192;p23"/>
+          <p:cNvSpPr txBox="1"/>
+          <p:nvPr>
+            <p:ph idx="4294967295" type="body"/>
+          </p:nvPr>
+        </p:nvSpPr>
+        <p:spPr>
+          <a:xfrm>
+            <a:off x="508325" y="1850300"/>
+            <a:ext cx="2478600" cy="2794800"/>
+          </a:xfrm>
+          <a:prstGeom prst="rect">
+            <a:avLst/>
+          </a:prstGeom>
+        </p:spPr>
+        <p:txBody>
+          <a:bodyPr anchorCtr="0" anchor="t" bIns="91425" lIns="91425" spcFirstLastPara="1" rIns="91425" wrap="square" tIns="91425">
+            <a:noAutofit/>
+          </a:bodyPr>
+          <a:lstStyle/>
+          <a:p>
+            <a:pPr indent="0" lvl="0" marL="0" rtl="0" algn="l">
+              <a:spcBef>
+                <a:spcPts val="0"/>
+              </a:spcBef>
+              <a:spcAft>
+                <a:spcPts val="1600"/>
+              </a:spcAft>
+              <a:buNone/>
+            </a:pPr>
+            <a:r>
+              <a:rPr lang="pt-BR" sz="1600"/>
+              <a:t>Text</a:t>
+            </a:r>
+            <a:endParaRPr sz="1600"/>
+          </a:p>
+        </p:txBody>
+      </p:sp>
+      <p:grpSp>
+        <p:nvGrpSpPr>
+          <p:cNvPr id="193" name="Google Shape;193;p23"/>
+          <p:cNvGrpSpPr/>
+          <p:nvPr/>
+        </p:nvGrpSpPr>
+        <p:grpSpPr>
+          <a:xfrm>
+            <a:off x="3320450" y="1304875"/>
+            <a:ext cx="2632500" cy="3416400"/>
+            <a:chOff x="3320450" y="1304875"/>
+            <a:chExt cx="2632500" cy="3416400"/>
+          </a:xfrm>
+        </p:grpSpPr>
+        <p:sp>
+          <p:nvSpPr>
+            <p:cNvPr id="194" name="Google Shape;194;p23"/>
+            <p:cNvSpPr txBox="1"/>
+            <p:nvPr/>
+          </p:nvSpPr>
+          <p:spPr>
+            <a:xfrm>
+              <a:off x="3324050" y="1304875"/>
+              <a:ext cx="2628900" cy="464100"/>
+            </a:xfrm>
+            <a:prstGeom prst="rect">
+              <a:avLst/>
+            </a:prstGeom>
+            <a:solidFill>
+              <a:schemeClr val="dk1"/>
+            </a:solidFill>
+            <a:ln>
+              <a:noFill/>
+            </a:ln>
+          </p:spPr>
+          <p:txBody>
+            <a:bodyPr anchorCtr="0" anchor="ctr" bIns="91425" lIns="91425" spcFirstLastPara="1" rIns="91425" wrap="square" tIns="91425">
+              <a:noAutofit/>
+            </a:bodyPr>
+            <a:lstStyle/>
+            <a:p>
+              <a:pPr indent="0" lvl="0" marL="0" rtl="0" algn="l">
+                <a:spcBef>
+                  <a:spcPts val="0"/>
+                </a:spcBef>
+                <a:spcAft>
+                  <a:spcPts val="0"/>
+                </a:spcAft>
+                <a:buNone/>
+              </a:pPr>
+              <a:r>
+                <a:t/>
+              </a:r>
+              <a:endParaRPr/>
+            </a:p>
+          </p:txBody>
+        </p:sp>
+        <p:sp>
+          <p:nvSpPr>
+            <p:cNvPr id="195" name="Google Shape;195;p23"/>
+            <p:cNvSpPr/>
+            <p:nvPr/>
+          </p:nvSpPr>
+          <p:spPr>
+            <a:xfrm>
+              <a:off x="3320450" y="1304875"/>
+              <a:ext cx="2628900" cy="3416400"/>
+            </a:xfrm>
+            <a:prstGeom prst="rect">
+              <a:avLst/>
+            </a:prstGeom>
+            <a:noFill/>
+            <a:ln cap="flat" cmpd="sng" w="9525">
+              <a:solidFill>
+                <a:schemeClr val="dk1"/>
+              </a:solidFill>
+              <a:prstDash val="solid"/>
+              <a:round/>
+              <a:headEnd len="sm" w="sm" type="none"/>
+              <a:tailEnd len="sm" w="sm" type="none"/>
+            </a:ln>
+          </p:spPr>
+          <p:txBody>
+            <a:bodyPr anchorCtr="0" anchor="ctr" bIns="91425" lIns="91425" spcFirstLastPara="1" rIns="91425" wrap="square" tIns="91425">
+              <a:noAutofit/>
+            </a:bodyPr>
+            <a:lstStyle/>
+            <a:p>
+              <a:pPr indent="0" lvl="0" marL="0" rtl="0" algn="l">
+                <a:spcBef>
+                  <a:spcPts val="0"/>
+                </a:spcBef>
+                <a:spcAft>
+                  <a:spcPts val="0"/>
+                </a:spcAft>
+                <a:buNone/>
+              </a:pPr>
+              <a:r>
+                <a:t/>
+              </a:r>
+              <a:endParaRPr/>
+            </a:p>
+          </p:txBody>
+        </p:sp>
+      </p:grpSp>
+      <p:sp>
+        <p:nvSpPr>
+          <p:cNvPr id="196" name="Google Shape;196;p23"/>
+          <p:cNvSpPr txBox="1"/>
+          <p:nvPr>
+            <p:ph idx="4294967295" type="body"/>
+          </p:nvPr>
+        </p:nvSpPr>
+        <p:spPr>
+          <a:xfrm>
+            <a:off x="3389450" y="1304875"/>
+            <a:ext cx="2494500" cy="461400"/>
+          </a:xfrm>
+          <a:prstGeom prst="rect">
+            <a:avLst/>
+          </a:prstGeom>
+        </p:spPr>
+        <p:txBody>
+          <a:bodyPr anchorCtr="0" anchor="t" bIns="91425" lIns="91425" spcFirstLastPara="1" rIns="91425" wrap="square" tIns="91425">
+            <a:noAutofit/>
+          </a:bodyPr>
+          <a:lstStyle/>
+          <a:p>
+            <a:pPr indent="0" lvl="0" marL="0" rtl="0" algn="l">
+              <a:spcBef>
+                <a:spcPts val="0"/>
+              </a:spcBef>
+              <a:spcAft>
+                <a:spcPts val="0"/>
+              </a:spcAft>
+              <a:buNone/>
+            </a:pPr>
+            <a:r>
+              <a:rPr lang="pt-BR" sz="1600">
+                <a:solidFill>
+                  <a:schemeClr val="lt1"/>
+                </a:solidFill>
+              </a:rPr>
+              <a:t>Multinomial Naive Bayes</a:t>
+            </a:r>
+            <a:endParaRPr sz="1600">
+              <a:solidFill>
+                <a:schemeClr val="lt1"/>
+              </a:solidFill>
+            </a:endParaRPr>
+          </a:p>
+        </p:txBody>
+      </p:sp>
+      <p:sp>
+        <p:nvSpPr>
+          <p:cNvPr id="197" name="Google Shape;197;p23"/>
+          <p:cNvSpPr txBox="1"/>
+          <p:nvPr>
+            <p:ph idx="4294967295" type="body"/>
+          </p:nvPr>
+        </p:nvSpPr>
+        <p:spPr>
+          <a:xfrm>
+            <a:off x="3396775" y="1850300"/>
+            <a:ext cx="2478600" cy="2794800"/>
+          </a:xfrm>
+          <a:prstGeom prst="rect">
+            <a:avLst/>
+          </a:prstGeom>
+        </p:spPr>
+        <p:txBody>
+          <a:bodyPr anchorCtr="0" anchor="t" bIns="91425" lIns="91425" spcFirstLastPara="1" rIns="91425" wrap="square" tIns="91425">
+            <a:noAutofit/>
+          </a:bodyPr>
+          <a:lstStyle/>
+          <a:p>
+            <a:pPr indent="0" lvl="0" marL="0" rtl="0" algn="l">
+              <a:spcBef>
+                <a:spcPts val="0"/>
+              </a:spcBef>
+              <a:spcAft>
+                <a:spcPts val="1600"/>
+              </a:spcAft>
+              <a:buNone/>
+            </a:pPr>
+            <a:r>
+              <a:rPr lang="pt-BR" sz="1600"/>
+              <a:t>Text</a:t>
+            </a:r>
+            <a:endParaRPr sz="1600"/>
+          </a:p>
+        </p:txBody>
+      </p:sp>
+      <p:grpSp>
+        <p:nvGrpSpPr>
+          <p:cNvPr id="198" name="Google Shape;198;p23"/>
+          <p:cNvGrpSpPr/>
+          <p:nvPr/>
+        </p:nvGrpSpPr>
+        <p:grpSpPr>
+          <a:xfrm>
+            <a:off x="6212550" y="1304875"/>
+            <a:ext cx="2632500" cy="3416400"/>
+            <a:chOff x="6212550" y="1304875"/>
+            <a:chExt cx="2632500" cy="3416400"/>
+          </a:xfrm>
+        </p:grpSpPr>
+        <p:sp>
+          <p:nvSpPr>
+            <p:cNvPr id="199" name="Google Shape;199;p23"/>
+            <p:cNvSpPr/>
+            <p:nvPr/>
+          </p:nvSpPr>
+          <p:spPr>
+            <a:xfrm>
+              <a:off x="6215400" y="1304875"/>
+              <a:ext cx="2628900" cy="3416400"/>
+            </a:xfrm>
+            <a:prstGeom prst="rect">
+              <a:avLst/>
+            </a:prstGeom>
+            <a:noFill/>
+            <a:ln cap="flat" cmpd="sng" w="9525">
+              <a:solidFill>
+                <a:schemeClr val="dk1"/>
+              </a:solidFill>
+              <a:prstDash val="solid"/>
+              <a:round/>
+              <a:headEnd len="sm" w="sm" type="none"/>
+              <a:tailEnd len="sm" w="sm" type="none"/>
+            </a:ln>
+          </p:spPr>
+          <p:txBody>
+            <a:bodyPr anchorCtr="0" anchor="ctr" bIns="91425" lIns="91425" spcFirstLastPara="1" rIns="91425" wrap="square" tIns="91425">
+              <a:noAutofit/>
+            </a:bodyPr>
+            <a:lstStyle/>
+            <a:p>
+              <a:pPr indent="0" lvl="0" marL="0" rtl="0" algn="l">
+                <a:spcBef>
+                  <a:spcPts val="0"/>
+                </a:spcBef>
+                <a:spcAft>
+                  <a:spcPts val="0"/>
+                </a:spcAft>
+                <a:buNone/>
+              </a:pPr>
+              <a:r>
+                <a:t/>
+              </a:r>
+              <a:endParaRPr/>
+            </a:p>
+          </p:txBody>
+        </p:sp>
+        <p:sp>
+          <p:nvSpPr>
+            <p:cNvPr id="200" name="Google Shape;200;p23"/>
+            <p:cNvSpPr txBox="1"/>
+            <p:nvPr/>
+          </p:nvSpPr>
+          <p:spPr>
+            <a:xfrm>
+              <a:off x="6212550" y="1304875"/>
+              <a:ext cx="2632500" cy="464100"/>
+            </a:xfrm>
+            <a:prstGeom prst="rect">
+              <a:avLst/>
+            </a:prstGeom>
+            <a:solidFill>
+              <a:schemeClr val="dk1"/>
+            </a:solidFill>
+            <a:ln>
+              <a:noFill/>
+            </a:ln>
+          </p:spPr>
+          <p:txBody>
+            <a:bodyPr anchorCtr="0" anchor="ctr" bIns="91425" lIns="91425" spcFirstLastPara="1" rIns="91425" wrap="square" tIns="91425">
+              <a:noAutofit/>
+            </a:bodyPr>
+            <a:lstStyle/>
+            <a:p>
+              <a:pPr indent="0" lvl="0" marL="0" rtl="0" algn="l">
+                <a:spcBef>
+                  <a:spcPts val="0"/>
+                </a:spcBef>
+                <a:spcAft>
+                  <a:spcPts val="0"/>
+                </a:spcAft>
+                <a:buNone/>
+              </a:pPr>
+              <a:r>
+                <a:t/>
+              </a:r>
+              <a:endParaRPr/>
+            </a:p>
+          </p:txBody>
+        </p:sp>
+      </p:grpSp>
+      <p:sp>
+        <p:nvSpPr>
+          <p:cNvPr id="201" name="Google Shape;201;p23"/>
+          <p:cNvSpPr txBox="1"/>
+          <p:nvPr>
+            <p:ph idx="4294967295" type="body"/>
+          </p:nvPr>
+        </p:nvSpPr>
+        <p:spPr>
+          <a:xfrm>
+            <a:off x="6272475" y="1304875"/>
+            <a:ext cx="2494500" cy="461400"/>
+          </a:xfrm>
+          <a:prstGeom prst="rect">
+            <a:avLst/>
+          </a:prstGeom>
+        </p:spPr>
+        <p:txBody>
+          <a:bodyPr anchorCtr="0" anchor="t" bIns="91425" lIns="91425" spcFirstLastPara="1" rIns="91425" wrap="square" tIns="91425">
+            <a:noAutofit/>
+          </a:bodyPr>
+          <a:lstStyle/>
+          <a:p>
+            <a:pPr indent="0" lvl="0" marL="0" rtl="0" algn="l">
+              <a:spcBef>
+                <a:spcPts val="0"/>
+              </a:spcBef>
+              <a:spcAft>
+                <a:spcPts val="0"/>
+              </a:spcAft>
+              <a:buNone/>
+            </a:pPr>
+            <a:r>
+              <a:rPr lang="pt-BR" sz="1600">
+                <a:solidFill>
+                  <a:schemeClr val="lt1"/>
+                </a:solidFill>
+              </a:rPr>
+              <a:t>Linear SVC</a:t>
+            </a:r>
+            <a:endParaRPr sz="1600">
+              <a:solidFill>
+                <a:schemeClr val="lt1"/>
+              </a:solidFill>
+            </a:endParaRPr>
+          </a:p>
+        </p:txBody>
+      </p:sp>
+      <p:sp>
+        <p:nvSpPr>
+          <p:cNvPr id="202" name="Google Shape;202;p23"/>
+          <p:cNvSpPr txBox="1"/>
+          <p:nvPr>
+            <p:ph idx="4294967295" type="body"/>
+          </p:nvPr>
+        </p:nvSpPr>
+        <p:spPr>
+          <a:xfrm>
+            <a:off x="6286400" y="1850300"/>
+            <a:ext cx="2478600" cy="2794800"/>
+          </a:xfrm>
+          <a:prstGeom prst="rect">
+            <a:avLst/>
+          </a:prstGeom>
+        </p:spPr>
+        <p:txBody>
+          <a:bodyPr anchorCtr="0" anchor="t" bIns="91425" lIns="91425" spcFirstLastPara="1" rIns="91425" wrap="square" tIns="91425">
+            <a:noAutofit/>
+          </a:bodyPr>
+          <a:lstStyle/>
+          <a:p>
+            <a:pPr indent="0" lvl="0" marL="0" rtl="0" algn="l">
+              <a:spcBef>
+                <a:spcPts val="0"/>
+              </a:spcBef>
+              <a:spcAft>
+                <a:spcPts val="1600"/>
+              </a:spcAft>
+              <a:buNone/>
+            </a:pPr>
+            <a:r>
+              <a:rPr lang="pt-BR" sz="1600"/>
+              <a:t>Text</a:t>
+            </a:r>
+            <a:endParaRPr sz="1600"/>
+          </a:p>
+        </p:txBody>
+      </p:sp>
+    </p:spTree>
+  </p:cSld>
+  <p:clrMapOvr>
+    <a:masterClrMapping/>
+  </p:clrMapOvr>
+</p:sld>
+</file>
+
+<file path=ppt/slides/slide12.xml><?xml version="1.0" encoding="utf-8"?>
+<p:sld xmlns:a="http://schemas.openxmlformats.org/drawingml/2006/main" xmlns:r="http://schemas.openxmlformats.org/officeDocument/2006/relationships" xmlns:mc="http://schemas.openxmlformats.org/markup-compatibility/2006" xmlns:mv="urn:schemas-microsoft-com:mac:vml" xmlns:p="http://schemas.openxmlformats.org/presentationml/2006/main" xmlns:c="http://schemas.openxmlformats.org/drawingml/2006/chart" xmlns:dgm="http://schemas.openxmlformats.org/drawingml/2006/diagram" xmlns:o="urn:schemas-microsoft-com:office:office" xmlns:v="urn:schemas-microsoft-com:vml" xmlns:pvml="urn:schemas-microsoft-com:office:powerpoint" xmlns:com="http://schemas.openxmlformats.org/drawingml/2006/compatibility" xmlns:p14="http://schemas.microsoft.com/office/powerpoint/2010/main" xmlns:p15="http://schemas.microsoft.com/office/powerpoint/2012/main" xmlns:ahyp="http://schemas.microsoft.com/office/drawing/2018/hyperlinkcolor">
+  <p:cSld>
+    <p:spTree>
+      <p:nvGrpSpPr>
+        <p:cNvPr id="206" name="Shape 206"/>
+        <p:cNvGrpSpPr/>
+        <p:nvPr/>
+      </p:nvGrpSpPr>
+      <p:grpSpPr>
+        <a:xfrm>
+          <a:off x="0" y="0"/>
+          <a:ext cx="0" cy="0"/>
+          <a:chOff x="0" y="0"/>
+          <a:chExt cx="0" cy="0"/>
+        </a:xfrm>
+      </p:grpSpPr>
+      <p:sp>
+        <p:nvSpPr>
+          <p:cNvPr id="207" name="Google Shape;207;p24"/>
+          <p:cNvSpPr txBox="1"/>
+          <p:nvPr/>
+        </p:nvSpPr>
+        <p:spPr>
+          <a:xfrm>
+            <a:off x="203425" y="233925"/>
+            <a:ext cx="5146800" cy="3201600"/>
+          </a:xfrm>
+          <a:prstGeom prst="rect">
+            <a:avLst/>
+          </a:prstGeom>
+          <a:noFill/>
+          <a:ln>
+            <a:noFill/>
+          </a:ln>
+        </p:spPr>
+        <p:txBody>
+          <a:bodyPr anchorCtr="0" anchor="t" bIns="91425" lIns="91425" spcFirstLastPara="1" rIns="91425" wrap="square" tIns="91425">
+            <a:spAutoFit/>
+          </a:bodyPr>
+          <a:lstStyle/>
+          <a:p>
+            <a:pPr indent="0" lvl="0" marL="0" rtl="0" algn="l">
+              <a:spcBef>
+                <a:spcPts val="0"/>
+              </a:spcBef>
+              <a:spcAft>
+                <a:spcPts val="0"/>
+              </a:spcAft>
+              <a:buNone/>
+            </a:pPr>
+            <a:r>
+              <a:rPr lang="pt-BR">
+                <a:latin typeface="Roboto"/>
+                <a:ea typeface="Roboto"/>
+                <a:cs typeface="Roboto"/>
+                <a:sym typeface="Roboto"/>
+              </a:rPr>
+              <a:t>The presentation outlines the project, including the following:</a:t>
+            </a:r>
+            <a:endParaRPr>
+              <a:latin typeface="Roboto"/>
+              <a:ea typeface="Roboto"/>
+              <a:cs typeface="Roboto"/>
+              <a:sym typeface="Roboto"/>
+            </a:endParaRPr>
+          </a:p>
+          <a:p>
+            <a:pPr indent="0" lvl="0" marL="0" rtl="0" algn="l">
+              <a:spcBef>
+                <a:spcPts val="0"/>
+              </a:spcBef>
+              <a:spcAft>
+                <a:spcPts val="0"/>
+              </a:spcAft>
+              <a:buNone/>
+            </a:pPr>
+            <a:r>
+              <a:t/>
+            </a:r>
+            <a:endParaRPr>
+              <a:latin typeface="Roboto"/>
+              <a:ea typeface="Roboto"/>
+              <a:cs typeface="Roboto"/>
+              <a:sym typeface="Roboto"/>
+            </a:endParaRPr>
+          </a:p>
+          <a:p>
+            <a:pPr indent="0" lvl="0" marL="0" rtl="0" algn="l">
+              <a:spcBef>
+                <a:spcPts val="0"/>
+              </a:spcBef>
+              <a:spcAft>
+                <a:spcPts val="0"/>
+              </a:spcAft>
+              <a:buNone/>
+            </a:pPr>
+            <a:r>
+              <a:rPr lang="pt-BR">
+                <a:latin typeface="Roboto"/>
+                <a:ea typeface="Roboto"/>
+                <a:cs typeface="Roboto"/>
+                <a:sym typeface="Roboto"/>
+              </a:rPr>
+              <a:t>Segment 2 - Presentation Deliverables</a:t>
+            </a:r>
+            <a:endParaRPr>
+              <a:latin typeface="Roboto"/>
+              <a:ea typeface="Roboto"/>
+              <a:cs typeface="Roboto"/>
+              <a:sym typeface="Roboto"/>
+            </a:endParaRPr>
+          </a:p>
+          <a:p>
+            <a:pPr indent="0" lvl="0" marL="0" rtl="0" algn="l">
+              <a:spcBef>
+                <a:spcPts val="0"/>
+              </a:spcBef>
+              <a:spcAft>
+                <a:spcPts val="0"/>
+              </a:spcAft>
+              <a:buNone/>
+            </a:pPr>
+            <a:r>
+              <a:rPr lang="pt-BR">
+                <a:latin typeface="Roboto"/>
+                <a:ea typeface="Roboto"/>
+                <a:cs typeface="Roboto"/>
+                <a:sym typeface="Roboto"/>
+              </a:rPr>
+              <a:t>✓ Selected topic</a:t>
+            </a:r>
+            <a:endParaRPr>
+              <a:latin typeface="Roboto"/>
+              <a:ea typeface="Roboto"/>
+              <a:cs typeface="Roboto"/>
+              <a:sym typeface="Roboto"/>
+            </a:endParaRPr>
+          </a:p>
+          <a:p>
+            <a:pPr indent="0" lvl="0" marL="0" rtl="0" algn="l">
+              <a:spcBef>
+                <a:spcPts val="0"/>
+              </a:spcBef>
+              <a:spcAft>
+                <a:spcPts val="0"/>
+              </a:spcAft>
+              <a:buNone/>
+            </a:pPr>
+            <a:r>
+              <a:rPr lang="pt-BR">
+                <a:latin typeface="Roboto"/>
+                <a:ea typeface="Roboto"/>
+                <a:cs typeface="Roboto"/>
+                <a:sym typeface="Roboto"/>
+              </a:rPr>
+              <a:t>✓ Reason why they selected their topic</a:t>
+            </a:r>
+            <a:endParaRPr>
+              <a:latin typeface="Roboto"/>
+              <a:ea typeface="Roboto"/>
+              <a:cs typeface="Roboto"/>
+              <a:sym typeface="Roboto"/>
+            </a:endParaRPr>
+          </a:p>
+          <a:p>
+            <a:pPr indent="0" lvl="0" marL="0" rtl="0" algn="l">
+              <a:spcBef>
+                <a:spcPts val="0"/>
+              </a:spcBef>
+              <a:spcAft>
+                <a:spcPts val="0"/>
+              </a:spcAft>
+              <a:buNone/>
+            </a:pPr>
+            <a:r>
+              <a:rPr lang="pt-BR">
+                <a:latin typeface="Roboto"/>
+                <a:ea typeface="Roboto"/>
+                <a:cs typeface="Roboto"/>
+                <a:sym typeface="Roboto"/>
+              </a:rPr>
+              <a:t>✓ Description of their source of data</a:t>
+            </a:r>
+            <a:endParaRPr>
+              <a:latin typeface="Roboto"/>
+              <a:ea typeface="Roboto"/>
+              <a:cs typeface="Roboto"/>
+              <a:sym typeface="Roboto"/>
+            </a:endParaRPr>
+          </a:p>
+          <a:p>
+            <a:pPr indent="0" lvl="0" marL="0" rtl="0" algn="l">
+              <a:spcBef>
+                <a:spcPts val="0"/>
+              </a:spcBef>
+              <a:spcAft>
+                <a:spcPts val="0"/>
+              </a:spcAft>
+              <a:buNone/>
+            </a:pPr>
+            <a:r>
+              <a:rPr lang="pt-BR">
+                <a:latin typeface="Roboto"/>
+                <a:ea typeface="Roboto"/>
+                <a:cs typeface="Roboto"/>
+                <a:sym typeface="Roboto"/>
+              </a:rPr>
+              <a:t>✓ Questions they hope to answer with the data</a:t>
+            </a:r>
+            <a:endParaRPr>
+              <a:latin typeface="Roboto"/>
+              <a:ea typeface="Roboto"/>
+              <a:cs typeface="Roboto"/>
+              <a:sym typeface="Roboto"/>
+            </a:endParaRPr>
+          </a:p>
+          <a:p>
+            <a:pPr indent="0" lvl="0" marL="0" rtl="0" algn="l">
+              <a:spcBef>
+                <a:spcPts val="0"/>
+              </a:spcBef>
+              <a:spcAft>
+                <a:spcPts val="0"/>
+              </a:spcAft>
+              <a:buNone/>
+            </a:pPr>
+            <a:r>
+              <a:rPr lang="pt-BR">
+                <a:latin typeface="Roboto"/>
+                <a:ea typeface="Roboto"/>
+                <a:cs typeface="Roboto"/>
+                <a:sym typeface="Roboto"/>
+              </a:rPr>
+              <a:t>✓ Description of the data exploration phase of the project</a:t>
+            </a:r>
+            <a:endParaRPr>
+              <a:latin typeface="Roboto"/>
+              <a:ea typeface="Roboto"/>
+              <a:cs typeface="Roboto"/>
+              <a:sym typeface="Roboto"/>
+            </a:endParaRPr>
+          </a:p>
+          <a:p>
+            <a:pPr indent="0" lvl="0" marL="0" rtl="0" algn="l">
+              <a:spcBef>
+                <a:spcPts val="0"/>
+              </a:spcBef>
+              <a:spcAft>
+                <a:spcPts val="0"/>
+              </a:spcAft>
+              <a:buNone/>
+            </a:pPr>
+            <a:r>
+              <a:rPr lang="pt-BR">
+                <a:latin typeface="Roboto"/>
+                <a:ea typeface="Roboto"/>
+                <a:cs typeface="Roboto"/>
+                <a:sym typeface="Roboto"/>
+              </a:rPr>
+              <a:t>✓ Description of the analysis phase of the project</a:t>
+            </a:r>
+            <a:endParaRPr>
+              <a:latin typeface="Roboto"/>
+              <a:ea typeface="Roboto"/>
+              <a:cs typeface="Roboto"/>
+              <a:sym typeface="Roboto"/>
+            </a:endParaRPr>
+          </a:p>
+          <a:p>
+            <a:pPr indent="0" lvl="0" marL="0" rtl="0" algn="l">
+              <a:spcBef>
+                <a:spcPts val="0"/>
+              </a:spcBef>
+              <a:spcAft>
+                <a:spcPts val="0"/>
+              </a:spcAft>
+              <a:buNone/>
+            </a:pPr>
+            <a:r>
+              <a:t/>
+            </a:r>
+            <a:endParaRPr>
+              <a:latin typeface="Roboto"/>
+              <a:ea typeface="Roboto"/>
+              <a:cs typeface="Roboto"/>
+              <a:sym typeface="Roboto"/>
+            </a:endParaRPr>
+          </a:p>
+          <a:p>
+            <a:pPr indent="0" lvl="0" marL="0" rtl="0" algn="l">
+              <a:spcBef>
+                <a:spcPts val="0"/>
+              </a:spcBef>
+              <a:spcAft>
+                <a:spcPts val="0"/>
+              </a:spcAft>
+              <a:buNone/>
+            </a:pPr>
+            <a:r>
+              <a:rPr lang="pt-BR">
+                <a:latin typeface="Roboto"/>
+                <a:ea typeface="Roboto"/>
+                <a:cs typeface="Roboto"/>
+                <a:sym typeface="Roboto"/>
+              </a:rPr>
+              <a:t>Segment 3 </a:t>
+            </a:r>
+            <a:r>
+              <a:rPr lang="pt-BR">
+                <a:latin typeface="Roboto"/>
+                <a:ea typeface="Roboto"/>
+                <a:cs typeface="Roboto"/>
+                <a:sym typeface="Roboto"/>
+              </a:rPr>
+              <a:t>- Presentation Deliverables</a:t>
+            </a:r>
+            <a:endParaRPr>
+              <a:latin typeface="Roboto"/>
+              <a:ea typeface="Roboto"/>
+              <a:cs typeface="Roboto"/>
+              <a:sym typeface="Roboto"/>
+            </a:endParaRPr>
+          </a:p>
+          <a:p>
+            <a:pPr indent="0" lvl="0" marL="0" rtl="0" algn="l">
+              <a:spcBef>
+                <a:spcPts val="0"/>
+              </a:spcBef>
+              <a:spcAft>
+                <a:spcPts val="0"/>
+              </a:spcAft>
+              <a:buNone/>
+            </a:pPr>
+            <a:r>
+              <a:rPr lang="pt-BR">
+                <a:latin typeface="Roboto"/>
+                <a:ea typeface="Roboto"/>
+                <a:cs typeface="Roboto"/>
+                <a:sym typeface="Roboto"/>
+              </a:rPr>
+              <a:t>✓ Technologies, languages, tools, and algorithms used throughout the project</a:t>
+            </a:r>
+            <a:endParaRPr>
+              <a:latin typeface="Roboto"/>
+              <a:ea typeface="Roboto"/>
+              <a:cs typeface="Roboto"/>
+              <a:sym typeface="Roboto"/>
+            </a:endParaRPr>
+          </a:p>
+          <a:p>
+            <a:pPr indent="0" lvl="0" marL="0" rtl="0" algn="l">
+              <a:spcBef>
+                <a:spcPts val="0"/>
+              </a:spcBef>
+              <a:spcAft>
+                <a:spcPts val="0"/>
+              </a:spcAft>
+              <a:buNone/>
+            </a:pPr>
+            <a:r>
+              <a:t/>
+            </a:r>
+            <a:endParaRPr>
+              <a:latin typeface="Roboto"/>
+              <a:ea typeface="Roboto"/>
+              <a:cs typeface="Roboto"/>
+              <a:sym typeface="Roboto"/>
+            </a:endParaRPr>
+          </a:p>
+        </p:txBody>
+      </p:sp>
+    </p:spTree>
+  </p:cSld>
+  <p:clrMapOvr>
+    <a:masterClrMapping/>
+  </p:clrMapOvr>
+</p:sld>
+</file>
+
 <file path=ppt/slides/slide2.xml><?xml version="1.0" encoding="utf-8"?>
 <p:sld xmlns:a="http://schemas.openxmlformats.org/drawingml/2006/main" xmlns:r="http://schemas.openxmlformats.org/officeDocument/2006/relationships" xmlns:mc="http://schemas.openxmlformats.org/markup-compatibility/2006" xmlns:mv="urn:schemas-microsoft-com:mac:vml" xmlns:p="http://schemas.openxmlformats.org/presentationml/2006/main" xmlns:c="http://schemas.openxmlformats.org/drawingml/2006/chart" xmlns:dgm="http://schemas.openxmlformats.org/drawingml/2006/diagram" xmlns:o="urn:schemas-microsoft-com:office:office" xmlns:v="urn:schemas-microsoft-com:vml" xmlns:pvml="urn:schemas-microsoft-com:office:powerpoint" xmlns:com="http://schemas.openxmlformats.org/drawingml/2006/compatibility" xmlns:p14="http://schemas.microsoft.com/office/powerpoint/2010/main" xmlns:p15="http://schemas.microsoft.com/office/powerpoint/2012/main" xmlns:ahyp="http://schemas.microsoft.com/office/drawing/2018/hyperlinkcolor">
   <p:cSld>
@@ -8240,8 +9928,8 @@
         </p:blipFill>
         <p:spPr>
           <a:xfrm>
-            <a:off x="3292887" y="787038"/>
-            <a:ext cx="5674525" cy="4055325"/>
+            <a:off x="3615759" y="1017799"/>
+            <a:ext cx="5351641" cy="3824575"/>
           </a:xfrm>
           <a:prstGeom prst="rect">
             <a:avLst/>
@@ -8405,7 +10093,7 @@
         </p:blipFill>
         <p:spPr>
           <a:xfrm>
-            <a:off x="596400" y="2161350"/>
+            <a:off x="394925" y="1985425"/>
             <a:ext cx="1952625" cy="2171700"/>
           </a:xfrm>
           <a:prstGeom prst="rect">
@@ -8433,8 +10121,8 @@
         </p:blipFill>
         <p:spPr>
           <a:xfrm>
-            <a:off x="2710600" y="786600"/>
-            <a:ext cx="6345549" cy="4055325"/>
+            <a:off x="3143475" y="1017800"/>
+            <a:ext cx="5688825" cy="3829275"/>
           </a:xfrm>
           <a:prstGeom prst="rect">
             <a:avLst/>
@@ -8445,6 +10133,78 @@
           </a:ln>
         </p:spPr>
       </p:pic>
+      <p:sp>
+        <p:nvSpPr>
+          <p:cNvPr id="102" name="Google Shape;102;p15"/>
+          <p:cNvSpPr txBox="1"/>
+          <p:nvPr>
+            <p:ph type="title"/>
+          </p:nvPr>
+        </p:nvSpPr>
+        <p:spPr>
+          <a:xfrm>
+            <a:off x="311700" y="4157125"/>
+            <a:ext cx="2927700" cy="791700"/>
+          </a:xfrm>
+          <a:prstGeom prst="rect">
+            <a:avLst/>
+          </a:prstGeom>
+        </p:spPr>
+        <p:txBody>
+          <a:bodyPr anchorCtr="0" anchor="t" bIns="91425" lIns="91425" spcFirstLastPara="1" rIns="91425" wrap="square" tIns="91425">
+            <a:noAutofit/>
+          </a:bodyPr>
+          <a:lstStyle/>
+          <a:p>
+            <a:pPr indent="0" lvl="0" marL="0" rtl="0" algn="l">
+              <a:spcBef>
+                <a:spcPts val="0"/>
+              </a:spcBef>
+              <a:spcAft>
+                <a:spcPts val="0"/>
+              </a:spcAft>
+              <a:buNone/>
+            </a:pPr>
+            <a:r>
+              <a:rPr lang="pt-BR" sz="2000">
+                <a:solidFill>
+                  <a:srgbClr val="24292F"/>
+                </a:solidFill>
+              </a:rPr>
+              <a:t>Total Tweets</a:t>
+            </a:r>
+            <a:endParaRPr sz="2000">
+              <a:solidFill>
+                <a:srgbClr val="24292F"/>
+              </a:solidFill>
+            </a:endParaRPr>
+          </a:p>
+          <a:p>
+            <a:pPr indent="0" lvl="0" marL="0" rtl="0" algn="l">
+              <a:spcBef>
+                <a:spcPts val="0"/>
+              </a:spcBef>
+              <a:spcAft>
+                <a:spcPts val="0"/>
+              </a:spcAft>
+              <a:buNone/>
+            </a:pPr>
+            <a:r>
+              <a:rPr lang="pt-BR" sz="2000">
+                <a:solidFill>
+                  <a:srgbClr val="24292F"/>
+                </a:solidFill>
+              </a:rPr>
+              <a:t>136,766</a:t>
+            </a:r>
+            <a:endParaRPr sz="2000">
+              <a:solidFill>
+                <a:srgbClr val="24292F"/>
+              </a:solidFill>
+            </a:endParaRPr>
+          </a:p>
+        </p:txBody>
+      </p:sp>
     </p:spTree>
   </p:cSld>
   <p:clrMapOvr>
@@ -8458,7 +10218,7 @@
   <p:cSld>
     <p:spTree>
       <p:nvGrpSpPr>
-        <p:cNvPr id="105" name="Shape 105"/>
+        <p:cNvPr id="106" name="Shape 106"/>
         <p:cNvGrpSpPr/>
         <p:nvPr/>
       </p:nvGrpSpPr>
@@ -8472,7 +10232,7 @@
       </p:grpSpPr>
       <p:pic>
         <p:nvPicPr>
-          <p:cNvPr id="106" name="Google Shape;106;p16"/>
+          <p:cNvPr id="107" name="Google Shape;107;p16"/>
           <p:cNvPicPr preferRelativeResize="0"/>
           <p:nvPr/>
         </p:nvPicPr>
@@ -8486,8 +10246,8 @@
         </p:blipFill>
         <p:spPr>
           <a:xfrm>
-            <a:off x="4843550" y="1247775"/>
-            <a:ext cx="3829050" cy="2647950"/>
+            <a:off x="3812575" y="1017800"/>
+            <a:ext cx="5161925" cy="3569700"/>
           </a:xfrm>
           <a:prstGeom prst="rect">
             <a:avLst/>
@@ -8500,7 +10260,7 @@
       </p:pic>
       <p:sp>
         <p:nvSpPr>
-          <p:cNvPr id="107" name="Google Shape;107;p16"/>
+          <p:cNvPr id="108" name="Google Shape;108;p16"/>
           <p:cNvSpPr txBox="1"/>
           <p:nvPr>
             <p:ph type="title"/>
@@ -8551,7 +10311,60 @@
   <p:cSld>
     <p:spTree>
       <p:nvGrpSpPr>
-        <p:cNvPr id="111" name="Shape 111"/>
+        <p:cNvPr id="112" name="Shape 112"/>
+        <p:cNvGrpSpPr/>
+        <p:nvPr/>
+      </p:nvGrpSpPr>
+      <p:grpSpPr>
+        <a:xfrm>
+          <a:off x="0" y="0"/>
+          <a:ext cx="0" cy="0"/>
+          <a:chOff x="0" y="0"/>
+          <a:chExt cx="0" cy="0"/>
+        </a:xfrm>
+      </p:grpSpPr>
+      <p:pic>
+        <p:nvPicPr>
+          <p:cNvPr id="113" name="Google Shape;113;p17"/>
+          <p:cNvPicPr preferRelativeResize="0"/>
+          <p:nvPr/>
+        </p:nvPicPr>
+        <p:blipFill>
+          <a:blip r:embed="rId3">
+            <a:alphaModFix/>
+          </a:blip>
+          <a:stretch>
+            <a:fillRect/>
+          </a:stretch>
+        </p:blipFill>
+        <p:spPr>
+          <a:xfrm>
+            <a:off x="1847850" y="1176338"/>
+            <a:ext cx="5448300" cy="2790825"/>
+          </a:xfrm>
+          <a:prstGeom prst="rect">
+            <a:avLst/>
+          </a:prstGeom>
+          <a:noFill/>
+          <a:ln>
+            <a:noFill/>
+          </a:ln>
+        </p:spPr>
+      </p:pic>
+    </p:spTree>
+  </p:cSld>
+  <p:clrMapOvr>
+    <a:masterClrMapping/>
+  </p:clrMapOvr>
+</p:sld>
+</file>
+
+<file path=ppt/slides/slide6.xml><?xml version="1.0" encoding="utf-8"?>
+<p:sld xmlns:a="http://schemas.openxmlformats.org/drawingml/2006/main" xmlns:r="http://schemas.openxmlformats.org/officeDocument/2006/relationships" xmlns:mc="http://schemas.openxmlformats.org/markup-compatibility/2006" xmlns:mv="urn:schemas-microsoft-com:mac:vml" xmlns:p="http://schemas.openxmlformats.org/presentationml/2006/main" xmlns:c="http://schemas.openxmlformats.org/drawingml/2006/chart" xmlns:dgm="http://schemas.openxmlformats.org/drawingml/2006/diagram" xmlns:o="urn:schemas-microsoft-com:office:office" xmlns:v="urn:schemas-microsoft-com:vml" xmlns:pvml="urn:schemas-microsoft-com:office:powerpoint" xmlns:com="http://schemas.openxmlformats.org/drawingml/2006/compatibility" xmlns:p14="http://schemas.microsoft.com/office/powerpoint/2010/main" xmlns:p15="http://schemas.microsoft.com/office/powerpoint/2012/main" xmlns:ahyp="http://schemas.microsoft.com/office/drawing/2018/hyperlinkcolor">
+  <p:cSld>
+    <p:spTree>
+      <p:nvGrpSpPr>
+        <p:cNvPr id="117" name="Shape 117"/>
         <p:cNvGrpSpPr/>
         <p:nvPr/>
       </p:nvGrpSpPr>
@@ -8565,7 +10378,7 @@
       </p:grpSpPr>
       <p:sp>
         <p:nvSpPr>
-          <p:cNvPr id="112" name="Google Shape;112;p17"/>
+          <p:cNvPr id="118" name="Google Shape;118;p18"/>
           <p:cNvSpPr/>
           <p:nvPr/>
         </p:nvSpPr>
@@ -8612,7 +10425,7 @@
       </p:sp>
       <p:grpSp>
         <p:nvGrpSpPr>
-          <p:cNvPr id="113" name="Google Shape;113;p17"/>
+          <p:cNvPr id="119" name="Google Shape;119;p18"/>
           <p:cNvGrpSpPr/>
           <p:nvPr/>
         </p:nvGrpSpPr>
@@ -8626,7 +10439,7 @@
         </p:grpSpPr>
         <p:cxnSp>
           <p:nvCxnSpPr>
-            <p:cNvPr id="114" name="Google Shape;114;p17"/>
+            <p:cNvPr id="120" name="Google Shape;120;p18"/>
             <p:cNvCxnSpPr/>
             <p:nvPr/>
           </p:nvCxnSpPr>
@@ -8652,7 +10465,7 @@
         </p:cxnSp>
         <p:cxnSp>
           <p:nvCxnSpPr>
-            <p:cNvPr id="115" name="Google Shape;115;p17"/>
+            <p:cNvPr id="121" name="Google Shape;121;p18"/>
             <p:cNvCxnSpPr/>
             <p:nvPr/>
           </p:nvCxnSpPr>
@@ -8678,7 +10491,7 @@
         </p:cxnSp>
         <p:cxnSp>
           <p:nvCxnSpPr>
-            <p:cNvPr id="116" name="Google Shape;116;p17"/>
+            <p:cNvPr id="122" name="Google Shape;122;p18"/>
             <p:cNvCxnSpPr/>
             <p:nvPr/>
           </p:nvCxnSpPr>
@@ -8704,7 +10517,7 @@
         </p:cxnSp>
         <p:cxnSp>
           <p:nvCxnSpPr>
-            <p:cNvPr id="117" name="Google Shape;117;p17"/>
+            <p:cNvPr id="123" name="Google Shape;123;p18"/>
             <p:cNvCxnSpPr/>
             <p:nvPr/>
           </p:nvCxnSpPr>
@@ -8730,7 +10543,7 @@
         </p:cxnSp>
         <p:cxnSp>
           <p:nvCxnSpPr>
-            <p:cNvPr id="118" name="Google Shape;118;p17"/>
+            <p:cNvPr id="124" name="Google Shape;124;p18"/>
             <p:cNvCxnSpPr/>
             <p:nvPr/>
           </p:nvCxnSpPr>
@@ -8756,7 +10569,7 @@
         </p:cxnSp>
         <p:cxnSp>
           <p:nvCxnSpPr>
-            <p:cNvPr id="119" name="Google Shape;119;p17"/>
+            <p:cNvPr id="125" name="Google Shape;125;p18"/>
             <p:cNvCxnSpPr/>
             <p:nvPr/>
           </p:nvCxnSpPr>
@@ -8782,7 +10595,7 @@
         </p:cxnSp>
         <p:cxnSp>
           <p:nvCxnSpPr>
-            <p:cNvPr id="120" name="Google Shape;120;p17"/>
+            <p:cNvPr id="126" name="Google Shape;126;p18"/>
             <p:cNvCxnSpPr/>
             <p:nvPr/>
           </p:nvCxnSpPr>
@@ -8808,7 +10621,7 @@
         </p:cxnSp>
         <p:cxnSp>
           <p:nvCxnSpPr>
-            <p:cNvPr id="121" name="Google Shape;121;p17"/>
+            <p:cNvPr id="127" name="Google Shape;127;p18"/>
             <p:cNvCxnSpPr/>
             <p:nvPr/>
           </p:nvCxnSpPr>
@@ -8834,7 +10647,7 @@
         </p:cxnSp>
         <p:cxnSp>
           <p:nvCxnSpPr>
-            <p:cNvPr id="122" name="Google Shape;122;p17"/>
+            <p:cNvPr id="128" name="Google Shape;128;p18"/>
             <p:cNvCxnSpPr/>
             <p:nvPr/>
           </p:nvCxnSpPr>
@@ -8860,7 +10673,7 @@
         </p:cxnSp>
         <p:cxnSp>
           <p:nvCxnSpPr>
-            <p:cNvPr id="123" name="Google Shape;123;p17"/>
+            <p:cNvPr id="129" name="Google Shape;129;p18"/>
             <p:cNvCxnSpPr/>
             <p:nvPr/>
           </p:nvCxnSpPr>
@@ -8887,7 +10700,7 @@
       </p:grpSp>
       <p:sp>
         <p:nvSpPr>
-          <p:cNvPr id="124" name="Google Shape;124;p17"/>
+          <p:cNvPr id="130" name="Google Shape;130;p18"/>
           <p:cNvSpPr/>
           <p:nvPr/>
         </p:nvSpPr>
@@ -8934,7 +10747,7 @@
       </p:sp>
       <p:sp>
         <p:nvSpPr>
-          <p:cNvPr id="125" name="Google Shape;125;p17"/>
+          <p:cNvPr id="131" name="Google Shape;131;p18"/>
           <p:cNvSpPr txBox="1"/>
           <p:nvPr>
             <p:ph type="title"/>
@@ -8990,7 +10803,7 @@
       </p:sp>
       <p:sp>
         <p:nvSpPr>
-          <p:cNvPr id="126" name="Google Shape;126;p17"/>
+          <p:cNvPr id="132" name="Google Shape;132;p18"/>
           <p:cNvSpPr txBox="1"/>
           <p:nvPr>
             <p:ph idx="1" type="subTitle"/>
@@ -9021,8 +10834,7 @@
               <a:buNone/>
             </a:pPr>
             <a:r>
-              <a:rPr lang="pt-BR"/>
-              <a:t>Aumento de XX% nas vendas</a:t>
+              <a:t/>
             </a:r>
             <a:endParaRPr/>
           </a:p>
@@ -9030,7 +10842,7 @@
       </p:sp>
       <p:grpSp>
         <p:nvGrpSpPr>
-          <p:cNvPr id="127" name="Google Shape;127;p17"/>
+          <p:cNvPr id="133" name="Google Shape;133;p18"/>
           <p:cNvGrpSpPr/>
           <p:nvPr/>
         </p:nvGrpSpPr>
@@ -9044,7 +10856,7 @@
         </p:grpSpPr>
         <p:sp>
           <p:nvSpPr>
-            <p:cNvPr id="128" name="Google Shape;128;p17"/>
+            <p:cNvPr id="134" name="Google Shape;134;p18"/>
             <p:cNvSpPr/>
             <p:nvPr/>
           </p:nvSpPr>
@@ -9122,7 +10934,7 @@
         </p:sp>
         <p:sp>
           <p:nvSpPr>
-            <p:cNvPr id="129" name="Google Shape;129;p17"/>
+            <p:cNvPr id="135" name="Google Shape;135;p18"/>
             <p:cNvSpPr/>
             <p:nvPr/>
           </p:nvSpPr>
@@ -9171,7 +10983,7 @@
         </p:sp>
         <p:sp>
           <p:nvSpPr>
-            <p:cNvPr id="130" name="Google Shape;130;p17"/>
+            <p:cNvPr id="136" name="Google Shape;136;p18"/>
             <p:cNvSpPr/>
             <p:nvPr/>
           </p:nvSpPr>
@@ -9220,7 +11032,7 @@
         </p:sp>
         <p:sp>
           <p:nvSpPr>
-            <p:cNvPr id="131" name="Google Shape;131;p17"/>
+            <p:cNvPr id="137" name="Google Shape;137;p18"/>
             <p:cNvSpPr/>
             <p:nvPr/>
           </p:nvSpPr>
@@ -9269,7 +11081,7 @@
         </p:sp>
         <p:sp>
           <p:nvSpPr>
-            <p:cNvPr id="132" name="Google Shape;132;p17"/>
+            <p:cNvPr id="138" name="Google Shape;138;p18"/>
             <p:cNvSpPr/>
             <p:nvPr/>
           </p:nvSpPr>
@@ -9318,7 +11130,7 @@
         </p:sp>
         <p:sp>
           <p:nvSpPr>
-            <p:cNvPr id="133" name="Google Shape;133;p17"/>
+            <p:cNvPr id="139" name="Google Shape;139;p18"/>
             <p:cNvSpPr/>
             <p:nvPr/>
           </p:nvSpPr>
@@ -9367,7 +11179,7 @@
         </p:sp>
         <p:sp>
           <p:nvSpPr>
-            <p:cNvPr id="134" name="Google Shape;134;p17"/>
+            <p:cNvPr id="140" name="Google Shape;140;p18"/>
             <p:cNvSpPr/>
             <p:nvPr/>
           </p:nvSpPr>
@@ -9416,7 +11228,7 @@
         </p:sp>
         <p:sp>
           <p:nvSpPr>
-            <p:cNvPr id="135" name="Google Shape;135;p17"/>
+            <p:cNvPr id="141" name="Google Shape;141;p18"/>
             <p:cNvSpPr/>
             <p:nvPr/>
           </p:nvSpPr>
@@ -9465,7 +11277,7 @@
         </p:sp>
         <p:sp>
           <p:nvSpPr>
-            <p:cNvPr id="136" name="Google Shape;136;p17"/>
+            <p:cNvPr id="142" name="Google Shape;142;p18"/>
             <p:cNvSpPr/>
             <p:nvPr/>
           </p:nvSpPr>
@@ -9515,7 +11327,7 @@
       </p:grpSp>
       <p:sp>
         <p:nvSpPr>
-          <p:cNvPr id="137" name="Google Shape;137;p17"/>
+          <p:cNvPr id="143" name="Google Shape;143;p18"/>
           <p:cNvSpPr/>
           <p:nvPr/>
         </p:nvSpPr>
@@ -9562,7 +11374,7 @@
       </p:sp>
       <p:grpSp>
         <p:nvGrpSpPr>
-          <p:cNvPr id="138" name="Google Shape;138;p17"/>
+          <p:cNvPr id="144" name="Google Shape;144;p18"/>
           <p:cNvGrpSpPr/>
           <p:nvPr/>
         </p:nvGrpSpPr>
@@ -9576,7 +11388,7 @@
         </p:grpSpPr>
         <p:sp>
           <p:nvSpPr>
-            <p:cNvPr id="139" name="Google Shape;139;p17"/>
+            <p:cNvPr id="145" name="Google Shape;145;p18"/>
             <p:cNvSpPr/>
             <p:nvPr/>
           </p:nvSpPr>
@@ -9654,7 +11466,7 @@
         </p:sp>
         <p:sp>
           <p:nvSpPr>
-            <p:cNvPr id="140" name="Google Shape;140;p17"/>
+            <p:cNvPr id="146" name="Google Shape;146;p18"/>
             <p:cNvSpPr/>
             <p:nvPr/>
           </p:nvSpPr>
@@ -9703,7 +11515,7 @@
         </p:sp>
         <p:sp>
           <p:nvSpPr>
-            <p:cNvPr id="141" name="Google Shape;141;p17"/>
+            <p:cNvPr id="147" name="Google Shape;147;p18"/>
             <p:cNvSpPr/>
             <p:nvPr/>
           </p:nvSpPr>
@@ -9752,7 +11564,7 @@
         </p:sp>
         <p:sp>
           <p:nvSpPr>
-            <p:cNvPr id="142" name="Google Shape;142;p17"/>
+            <p:cNvPr id="148" name="Google Shape;148;p18"/>
             <p:cNvSpPr/>
             <p:nvPr/>
           </p:nvSpPr>
@@ -9801,7 +11613,7 @@
         </p:sp>
         <p:sp>
           <p:nvSpPr>
-            <p:cNvPr id="143" name="Google Shape;143;p17"/>
+            <p:cNvPr id="149" name="Google Shape;149;p18"/>
             <p:cNvSpPr/>
             <p:nvPr/>
           </p:nvSpPr>
@@ -9850,7 +11662,7 @@
         </p:sp>
         <p:sp>
           <p:nvSpPr>
-            <p:cNvPr id="144" name="Google Shape;144;p17"/>
+            <p:cNvPr id="150" name="Google Shape;150;p18"/>
             <p:cNvSpPr/>
             <p:nvPr/>
           </p:nvSpPr>
@@ -9899,7 +11711,7 @@
         </p:sp>
         <p:sp>
           <p:nvSpPr>
-            <p:cNvPr id="145" name="Google Shape;145;p17"/>
+            <p:cNvPr id="151" name="Google Shape;151;p18"/>
             <p:cNvSpPr/>
             <p:nvPr/>
           </p:nvSpPr>
@@ -9948,7 +11760,7 @@
         </p:sp>
         <p:sp>
           <p:nvSpPr>
-            <p:cNvPr id="146" name="Google Shape;146;p17"/>
+            <p:cNvPr id="152" name="Google Shape;152;p18"/>
             <p:cNvSpPr/>
             <p:nvPr/>
           </p:nvSpPr>
@@ -9997,7 +11809,7 @@
         </p:sp>
         <p:sp>
           <p:nvSpPr>
-            <p:cNvPr id="147" name="Google Shape;147;p17"/>
+            <p:cNvPr id="153" name="Google Shape;153;p18"/>
             <p:cNvSpPr/>
             <p:nvPr/>
           </p:nvSpPr>
@@ -10047,7 +11859,7 @@
       </p:grpSp>
       <p:sp>
         <p:nvSpPr>
-          <p:cNvPr id="148" name="Google Shape;148;p17"/>
+          <p:cNvPr id="154" name="Google Shape;154;p18"/>
           <p:cNvSpPr txBox="1"/>
           <p:nvPr>
             <p:ph idx="2" type="body"/>
@@ -10101,12 +11913,12 @@
 </p:sld>
 </file>
 
-<file path=ppt/slides/slide6.xml><?xml version="1.0" encoding="utf-8"?>
+<file path=ppt/slides/slide7.xml><?xml version="1.0" encoding="utf-8"?>
 <p:sld xmlns:a="http://schemas.openxmlformats.org/drawingml/2006/main" xmlns:r="http://schemas.openxmlformats.org/officeDocument/2006/relationships" xmlns:mc="http://schemas.openxmlformats.org/markup-compatibility/2006" xmlns:mv="urn:schemas-microsoft-com:mac:vml" xmlns:p="http://schemas.openxmlformats.org/presentationml/2006/main" xmlns:c="http://schemas.openxmlformats.org/drawingml/2006/chart" xmlns:dgm="http://schemas.openxmlformats.org/drawingml/2006/diagram" xmlns:o="urn:schemas-microsoft-com:office:office" xmlns:v="urn:schemas-microsoft-com:vml" xmlns:pvml="urn:schemas-microsoft-com:office:powerpoint" xmlns:com="http://schemas.openxmlformats.org/drawingml/2006/compatibility" xmlns:p14="http://schemas.microsoft.com/office/powerpoint/2010/main" xmlns:p15="http://schemas.microsoft.com/office/powerpoint/2012/main" xmlns:ahyp="http://schemas.microsoft.com/office/drawing/2018/hyperlinkcolor">
   <p:cSld>
     <p:spTree>
       <p:nvGrpSpPr>
-        <p:cNvPr id="152" name="Shape 152"/>
+        <p:cNvPr id="158" name="Shape 158"/>
         <p:cNvGrpSpPr/>
         <p:nvPr/>
       </p:nvGrpSpPr>
@@ -10120,7 +11932,7 @@
       </p:grpSpPr>
       <p:sp>
         <p:nvSpPr>
-          <p:cNvPr id="153" name="Google Shape;153;p18"/>
+          <p:cNvPr id="159" name="Google Shape;159;p19"/>
           <p:cNvSpPr txBox="1"/>
           <p:nvPr>
             <p:ph type="title"/>
@@ -10152,129 +11964,440 @@
             </a:pPr>
             <a:r>
               <a:rPr lang="pt-BR"/>
-              <a:t>Machine Learning Models</a:t>
+              <a:t>VADER </a:t>
+            </a:r>
+            <a:r>
+              <a:rPr lang="pt-BR" sz="2400"/>
+              <a:t>(Valence Aware Dictionary for sEntiment Reasoning)</a:t>
+            </a:r>
+            <a:r>
+              <a:rPr lang="pt-BR"/>
+              <a:t> </a:t>
+            </a:r>
+            <a:endParaRPr sz="750">
+              <a:solidFill>
+                <a:srgbClr val="000000"/>
+              </a:solidFill>
+              <a:latin typeface="Times New Roman"/>
+              <a:ea typeface="Times New Roman"/>
+              <a:cs typeface="Times New Roman"/>
+              <a:sym typeface="Times New Roman"/>
+            </a:endParaRPr>
+          </a:p>
+          <a:p>
+            <a:pPr indent="0" lvl="0" marL="0" rtl="0" algn="l">
+              <a:spcBef>
+                <a:spcPts val="0"/>
+              </a:spcBef>
+              <a:spcAft>
+                <a:spcPts val="0"/>
+              </a:spcAft>
+              <a:buNone/>
+            </a:pPr>
+            <a:r>
+              <a:t/>
             </a:r>
             <a:endParaRPr/>
           </a:p>
         </p:txBody>
       </p:sp>
-      <p:grpSp>
-        <p:nvGrpSpPr>
-          <p:cNvPr id="154" name="Google Shape;154;p18"/>
-          <p:cNvGrpSpPr/>
-          <p:nvPr/>
-        </p:nvGrpSpPr>
-        <p:grpSpPr>
-          <a:xfrm>
-            <a:off x="431925" y="1304875"/>
-            <a:ext cx="2628925" cy="3416400"/>
-            <a:chOff x="431925" y="1304875"/>
-            <a:chExt cx="2628925" cy="3416400"/>
-          </a:xfrm>
-        </p:grpSpPr>
-        <p:sp>
-          <p:nvSpPr>
-            <p:cNvPr id="155" name="Google Shape;155;p18"/>
-            <p:cNvSpPr txBox="1"/>
-            <p:nvPr/>
-          </p:nvSpPr>
-          <p:spPr>
-            <a:xfrm>
-              <a:off x="431925" y="1304875"/>
-              <a:ext cx="2628900" cy="464100"/>
-            </a:xfrm>
-            <a:prstGeom prst="rect">
-              <a:avLst/>
-            </a:prstGeom>
-            <a:solidFill>
-              <a:schemeClr val="dk1"/>
-            </a:solidFill>
-            <a:ln>
-              <a:noFill/>
-            </a:ln>
-          </p:spPr>
-          <p:txBody>
-            <a:bodyPr anchorCtr="0" anchor="ctr" bIns="91425" lIns="91425" spcFirstLastPara="1" rIns="91425" wrap="square" tIns="91425">
-              <a:noAutofit/>
-            </a:bodyPr>
-            <a:lstStyle/>
-            <a:p>
-              <a:pPr indent="0" lvl="0" marL="0" rtl="0" algn="l">
-                <a:spcBef>
-                  <a:spcPts val="0"/>
-                </a:spcBef>
-                <a:spcAft>
-                  <a:spcPts val="0"/>
-                </a:spcAft>
-                <a:buNone/>
-              </a:pPr>
-              <a:r>
-                <a:t/>
-              </a:r>
-              <a:endParaRPr/>
-            </a:p>
-          </p:txBody>
-        </p:sp>
-        <p:sp>
-          <p:nvSpPr>
-            <p:cNvPr id="156" name="Google Shape;156;p18"/>
-            <p:cNvSpPr/>
-            <p:nvPr/>
-          </p:nvSpPr>
-          <p:spPr>
-            <a:xfrm>
-              <a:off x="431950" y="1304875"/>
-              <a:ext cx="2628900" cy="3416400"/>
-            </a:xfrm>
-            <a:prstGeom prst="rect">
-              <a:avLst/>
-            </a:prstGeom>
-            <a:noFill/>
-            <a:ln cap="flat" cmpd="sng" w="9525">
-              <a:solidFill>
-                <a:schemeClr val="dk1"/>
-              </a:solidFill>
-              <a:prstDash val="solid"/>
-              <a:round/>
-              <a:headEnd len="sm" w="sm" type="none"/>
-              <a:tailEnd len="sm" w="sm" type="none"/>
-            </a:ln>
-          </p:spPr>
-          <p:txBody>
-            <a:bodyPr anchorCtr="0" anchor="ctr" bIns="91425" lIns="91425" spcFirstLastPara="1" rIns="91425" wrap="square" tIns="91425">
-              <a:noAutofit/>
-            </a:bodyPr>
-            <a:lstStyle/>
-            <a:p>
-              <a:pPr indent="0" lvl="0" marL="0" rtl="0" algn="l">
-                <a:spcBef>
-                  <a:spcPts val="0"/>
-                </a:spcBef>
-                <a:spcAft>
-                  <a:spcPts val="0"/>
-                </a:spcAft>
-                <a:buNone/>
-              </a:pPr>
-              <a:r>
-                <a:t/>
-              </a:r>
-              <a:endParaRPr/>
-            </a:p>
-          </p:txBody>
-        </p:sp>
-      </p:grpSp>
       <p:sp>
         <p:nvSpPr>
-          <p:cNvPr id="157" name="Google Shape;157;p18"/>
+          <p:cNvPr id="160" name="Google Shape;160;p19"/>
           <p:cNvSpPr txBox="1"/>
           <p:nvPr>
-            <p:ph idx="4294967295" type="body"/>
+            <p:ph idx="1" type="body"/>
           </p:nvPr>
         </p:nvSpPr>
         <p:spPr>
           <a:xfrm>
-            <a:off x="506425" y="1304875"/>
-            <a:ext cx="2494500" cy="461400"/>
+            <a:off x="2433600" y="1194250"/>
+            <a:ext cx="5982600" cy="903900"/>
+          </a:xfrm>
+          <a:prstGeom prst="rect">
+            <a:avLst/>
+          </a:prstGeom>
+        </p:spPr>
+        <p:txBody>
+          <a:bodyPr anchorCtr="0" anchor="t" bIns="91425" lIns="91425" spcFirstLastPara="1" rIns="91425" wrap="square" tIns="91425">
+            <a:noAutofit/>
+          </a:bodyPr>
+          <a:lstStyle/>
+          <a:p>
+            <a:pPr indent="-342900" lvl="0" marL="457200" rtl="0" algn="l">
+              <a:spcBef>
+                <a:spcPts val="0"/>
+              </a:spcBef>
+              <a:spcAft>
+                <a:spcPts val="0"/>
+              </a:spcAft>
+              <a:buSzPts val="1800"/>
+              <a:buChar char="-"/>
+            </a:pPr>
+            <a:r>
+              <a:rPr lang="pt-BR"/>
+              <a:t>Sentiment analysis tool tailored to social media</a:t>
+            </a:r>
+            <a:endParaRPr/>
+          </a:p>
+          <a:p>
+            <a:pPr indent="-342900" lvl="0" marL="457200" rtl="0" algn="l">
+              <a:spcBef>
+                <a:spcPts val="0"/>
+              </a:spcBef>
+              <a:spcAft>
+                <a:spcPts val="0"/>
+              </a:spcAft>
+              <a:buSzPts val="1800"/>
+              <a:buChar char="-"/>
+            </a:pPr>
+            <a:r>
+              <a:rPr lang="pt-BR"/>
+              <a:t>Vader Lexicon: dictionary with a unique list of strings</a:t>
+            </a:r>
+            <a:endParaRPr/>
+          </a:p>
+        </p:txBody>
+      </p:sp>
+      <p:pic>
+        <p:nvPicPr>
+          <p:cNvPr id="161" name="Google Shape;161;p19"/>
+          <p:cNvPicPr preferRelativeResize="0"/>
+          <p:nvPr/>
+        </p:nvPicPr>
+        <p:blipFill rotWithShape="1">
+          <a:blip r:embed="rId3">
+            <a:alphaModFix/>
+          </a:blip>
+          <a:srcRect b="1477" l="4278" r="0" t="0"/>
+          <a:stretch/>
+        </p:blipFill>
+        <p:spPr>
+          <a:xfrm>
+            <a:off x="832200" y="1194250"/>
+            <a:ext cx="1148850" cy="2984300"/>
+          </a:xfrm>
+          <a:prstGeom prst="rect">
+            <a:avLst/>
+          </a:prstGeom>
+          <a:noFill/>
+          <a:ln>
+            <a:noFill/>
+          </a:ln>
+        </p:spPr>
+      </p:pic>
+      <p:sp>
+        <p:nvSpPr>
+          <p:cNvPr id="162" name="Google Shape;162;p19"/>
+          <p:cNvSpPr/>
+          <p:nvPr/>
+        </p:nvSpPr>
+        <p:spPr>
+          <a:xfrm>
+            <a:off x="2765550" y="2179050"/>
+            <a:ext cx="1611300" cy="1522800"/>
+          </a:xfrm>
+          <a:prstGeom prst="flowChartConnector">
+            <a:avLst/>
+          </a:prstGeom>
+          <a:solidFill>
+            <a:srgbClr val="CCCCCC"/>
+          </a:solidFill>
+          <a:ln>
+            <a:noFill/>
+          </a:ln>
+        </p:spPr>
+        <p:txBody>
+          <a:bodyPr anchorCtr="0" anchor="ctr" bIns="91425" lIns="91425" spcFirstLastPara="1" rIns="91425" wrap="square" tIns="91425">
+            <a:noAutofit/>
+          </a:bodyPr>
+          <a:lstStyle/>
+          <a:p>
+            <a:pPr indent="0" lvl="0" marL="0" marR="0" rtl="0" algn="ctr">
+              <a:lnSpc>
+                <a:spcPct val="100000"/>
+              </a:lnSpc>
+              <a:spcBef>
+                <a:spcPts val="0"/>
+              </a:spcBef>
+              <a:spcAft>
+                <a:spcPts val="0"/>
+              </a:spcAft>
+              <a:buNone/>
+            </a:pPr>
+            <a:r>
+              <a:rPr lang="pt-BR" sz="1200">
+                <a:solidFill>
+                  <a:schemeClr val="dk2"/>
+                </a:solidFill>
+                <a:latin typeface="Roboto"/>
+                <a:ea typeface="Roboto"/>
+                <a:cs typeface="Roboto"/>
+                <a:sym typeface="Roboto"/>
+              </a:rPr>
+              <a:t>Known text</a:t>
+            </a:r>
+            <a:endParaRPr sz="1200">
+              <a:solidFill>
+                <a:schemeClr val="dk2"/>
+              </a:solidFill>
+              <a:latin typeface="Roboto"/>
+              <a:ea typeface="Roboto"/>
+              <a:cs typeface="Roboto"/>
+              <a:sym typeface="Roboto"/>
+            </a:endParaRPr>
+          </a:p>
+          <a:p>
+            <a:pPr indent="0" lvl="0" marL="0" marR="0" rtl="0" algn="ctr">
+              <a:lnSpc>
+                <a:spcPct val="100000"/>
+              </a:lnSpc>
+              <a:spcBef>
+                <a:spcPts val="0"/>
+              </a:spcBef>
+              <a:spcAft>
+                <a:spcPts val="0"/>
+              </a:spcAft>
+              <a:buNone/>
+            </a:pPr>
+            <a:r>
+              <a:rPr lang="pt-BR" sz="1200">
+                <a:solidFill>
+                  <a:schemeClr val="dk2"/>
+                </a:solidFill>
+                <a:latin typeface="Roboto"/>
+                <a:ea typeface="Roboto"/>
+                <a:cs typeface="Roboto"/>
+                <a:sym typeface="Roboto"/>
+              </a:rPr>
+              <a:t>(vader lexicon)</a:t>
+            </a:r>
+            <a:endParaRPr sz="900"/>
+          </a:p>
+        </p:txBody>
+      </p:sp>
+      <p:sp>
+        <p:nvSpPr>
+          <p:cNvPr id="163" name="Google Shape;163;p19"/>
+          <p:cNvSpPr/>
+          <p:nvPr/>
+        </p:nvSpPr>
+        <p:spPr>
+          <a:xfrm>
+            <a:off x="5432150" y="2166700"/>
+            <a:ext cx="1611300" cy="1522800"/>
+          </a:xfrm>
+          <a:prstGeom prst="flowChartConnector">
+            <a:avLst/>
+          </a:prstGeom>
+          <a:solidFill>
+            <a:srgbClr val="CCCCCC"/>
+          </a:solidFill>
+          <a:ln>
+            <a:noFill/>
+          </a:ln>
+        </p:spPr>
+        <p:txBody>
+          <a:bodyPr anchorCtr="0" anchor="ctr" bIns="91425" lIns="91425" spcFirstLastPara="1" rIns="91425" wrap="square" tIns="91425">
+            <a:noAutofit/>
+          </a:bodyPr>
+          <a:lstStyle/>
+          <a:p>
+            <a:pPr indent="0" lvl="0" marL="0" marR="0" rtl="0" algn="ctr">
+              <a:lnSpc>
+                <a:spcPct val="100000"/>
+              </a:lnSpc>
+              <a:spcBef>
+                <a:spcPts val="0"/>
+              </a:spcBef>
+              <a:spcAft>
+                <a:spcPts val="0"/>
+              </a:spcAft>
+              <a:buNone/>
+            </a:pPr>
+            <a:r>
+              <a:rPr lang="pt-BR" sz="1200">
+                <a:solidFill>
+                  <a:schemeClr val="dk2"/>
+                </a:solidFill>
+                <a:latin typeface="Roboto"/>
+                <a:ea typeface="Roboto"/>
+                <a:cs typeface="Roboto"/>
+                <a:sym typeface="Roboto"/>
+              </a:rPr>
+              <a:t>Unknown</a:t>
+            </a:r>
+            <a:r>
+              <a:rPr lang="pt-BR" sz="1200">
+                <a:solidFill>
+                  <a:schemeClr val="dk2"/>
+                </a:solidFill>
+                <a:latin typeface="Roboto"/>
+                <a:ea typeface="Roboto"/>
+                <a:cs typeface="Roboto"/>
+                <a:sym typeface="Roboto"/>
+              </a:rPr>
+              <a:t> text</a:t>
+            </a:r>
+            <a:endParaRPr sz="1200">
+              <a:solidFill>
+                <a:schemeClr val="dk2"/>
+              </a:solidFill>
+              <a:latin typeface="Roboto"/>
+              <a:ea typeface="Roboto"/>
+              <a:cs typeface="Roboto"/>
+              <a:sym typeface="Roboto"/>
+            </a:endParaRPr>
+          </a:p>
+          <a:p>
+            <a:pPr indent="0" lvl="0" marL="0" marR="0" rtl="0" algn="ctr">
+              <a:lnSpc>
+                <a:spcPct val="100000"/>
+              </a:lnSpc>
+              <a:spcBef>
+                <a:spcPts val="0"/>
+              </a:spcBef>
+              <a:spcAft>
+                <a:spcPts val="0"/>
+              </a:spcAft>
+              <a:buNone/>
+            </a:pPr>
+            <a:r>
+              <a:rPr lang="pt-BR" sz="1200">
+                <a:solidFill>
+                  <a:schemeClr val="dk2"/>
+                </a:solidFill>
+                <a:latin typeface="Roboto"/>
+                <a:ea typeface="Roboto"/>
+                <a:cs typeface="Roboto"/>
+                <a:sym typeface="Roboto"/>
+              </a:rPr>
+              <a:t>(tweets - war in Ukraine)</a:t>
+            </a:r>
+            <a:endParaRPr sz="1100"/>
+          </a:p>
+        </p:txBody>
+      </p:sp>
+      <p:cxnSp>
+        <p:nvCxnSpPr>
+          <p:cNvPr id="164" name="Google Shape;164;p19"/>
+          <p:cNvCxnSpPr>
+            <a:stCxn id="162" idx="6"/>
+          </p:cNvCxnSpPr>
+          <p:nvPr/>
+        </p:nvCxnSpPr>
+        <p:spPr>
+          <a:xfrm>
+            <a:off x="4376850" y="2940450"/>
+            <a:ext cx="1071000" cy="1800"/>
+          </a:xfrm>
+          <a:prstGeom prst="straightConnector1">
+            <a:avLst/>
+          </a:prstGeom>
+          <a:noFill/>
+          <a:ln cap="flat" cmpd="sng" w="9525">
+            <a:solidFill>
+              <a:schemeClr val="dk2"/>
+            </a:solidFill>
+            <a:prstDash val="solid"/>
+            <a:round/>
+            <a:headEnd len="med" w="med" type="none"/>
+            <a:tailEnd len="med" w="med" type="none"/>
+          </a:ln>
+        </p:spPr>
+      </p:cxnSp>
+      <p:sp>
+        <p:nvSpPr>
+          <p:cNvPr id="165" name="Google Shape;165;p19"/>
+          <p:cNvSpPr txBox="1"/>
+          <p:nvPr/>
+        </p:nvSpPr>
+        <p:spPr>
+          <a:xfrm>
+            <a:off x="4430950" y="2673025"/>
+            <a:ext cx="947100" cy="369300"/>
+          </a:xfrm>
+          <a:prstGeom prst="rect">
+            <a:avLst/>
+          </a:prstGeom>
+          <a:noFill/>
+          <a:ln>
+            <a:noFill/>
+          </a:ln>
+        </p:spPr>
+        <p:txBody>
+          <a:bodyPr anchorCtr="0" anchor="t" bIns="91425" lIns="91425" spcFirstLastPara="1" rIns="91425" wrap="square" tIns="91425">
+            <a:spAutoFit/>
+          </a:bodyPr>
+          <a:lstStyle/>
+          <a:p>
+            <a:pPr indent="0" lvl="0" marL="0" rtl="0" algn="l">
+              <a:spcBef>
+                <a:spcPts val="0"/>
+              </a:spcBef>
+              <a:spcAft>
+                <a:spcPts val="0"/>
+              </a:spcAft>
+              <a:buNone/>
+            </a:pPr>
+            <a:r>
+              <a:rPr lang="pt-BR" sz="1200">
+                <a:solidFill>
+                  <a:schemeClr val="dk2"/>
+                </a:solidFill>
+                <a:latin typeface="Roboto"/>
+                <a:ea typeface="Roboto"/>
+                <a:cs typeface="Roboto"/>
+                <a:sym typeface="Roboto"/>
+              </a:rPr>
+              <a:t>Correlation</a:t>
+            </a:r>
+            <a:endParaRPr>
+              <a:latin typeface="Roboto"/>
+              <a:ea typeface="Roboto"/>
+              <a:cs typeface="Roboto"/>
+              <a:sym typeface="Roboto"/>
+            </a:endParaRPr>
+          </a:p>
+        </p:txBody>
+      </p:sp>
+    </p:spTree>
+  </p:cSld>
+  <p:clrMapOvr>
+    <a:masterClrMapping/>
+  </p:clrMapOvr>
+</p:sld>
+</file>
+
+<file path=ppt/slides/slide8.xml><?xml version="1.0" encoding="utf-8"?>
+<p:sld xmlns:a="http://schemas.openxmlformats.org/drawingml/2006/main" xmlns:r="http://schemas.openxmlformats.org/officeDocument/2006/relationships" xmlns:mc="http://schemas.openxmlformats.org/markup-compatibility/2006" xmlns:mv="urn:schemas-microsoft-com:mac:vml" xmlns:p="http://schemas.openxmlformats.org/presentationml/2006/main" xmlns:c="http://schemas.openxmlformats.org/drawingml/2006/chart" xmlns:dgm="http://schemas.openxmlformats.org/drawingml/2006/diagram" xmlns:o="urn:schemas-microsoft-com:office:office" xmlns:v="urn:schemas-microsoft-com:vml" xmlns:pvml="urn:schemas-microsoft-com:office:powerpoint" xmlns:com="http://schemas.openxmlformats.org/drawingml/2006/compatibility" xmlns:p14="http://schemas.microsoft.com/office/powerpoint/2010/main" xmlns:p15="http://schemas.microsoft.com/office/powerpoint/2012/main" xmlns:ahyp="http://schemas.microsoft.com/office/drawing/2018/hyperlinkcolor">
+  <p:cSld>
+    <p:spTree>
+      <p:nvGrpSpPr>
+        <p:cNvPr id="169" name="Shape 169"/>
+        <p:cNvGrpSpPr/>
+        <p:nvPr/>
+      </p:nvGrpSpPr>
+      <p:grpSpPr>
+        <a:xfrm>
+          <a:off x="0" y="0"/>
+          <a:ext cx="0" cy="0"/>
+          <a:chOff x="0" y="0"/>
+          <a:chExt cx="0" cy="0"/>
+        </a:xfrm>
+      </p:grpSpPr>
+      <p:sp>
+        <p:nvSpPr>
+          <p:cNvPr id="170" name="Google Shape;170;p20"/>
+          <p:cNvSpPr txBox="1"/>
+          <p:nvPr>
+            <p:ph type="title"/>
+          </p:nvPr>
+        </p:nvSpPr>
+        <p:spPr>
+          <a:xfrm>
+            <a:off x="311700" y="410000"/>
+            <a:ext cx="8520600" cy="607800"/>
           </a:xfrm>
           <a:prstGeom prst="rect">
             <a:avLst/>
@@ -10296,33 +12419,106 @@
               <a:buNone/>
             </a:pPr>
             <a:r>
-              <a:rPr lang="pt-BR" sz="1600">
-                <a:solidFill>
-                  <a:schemeClr val="lt1"/>
-                </a:solidFill>
-              </a:rPr>
-              <a:t>Logistic Regression</a:t>
+              <a:rPr lang="pt-BR"/>
+              <a:t>Sentiment Distributions</a:t>
             </a:r>
-            <a:endParaRPr sz="1600">
-              <a:solidFill>
-                <a:schemeClr val="lt1"/>
-              </a:solidFill>
-            </a:endParaRPr>
+            <a:endParaRPr/>
           </a:p>
         </p:txBody>
       </p:sp>
+      <p:pic>
+        <p:nvPicPr>
+          <p:cNvPr id="171" name="Google Shape;171;p20"/>
+          <p:cNvPicPr preferRelativeResize="0"/>
+          <p:nvPr/>
+        </p:nvPicPr>
+        <p:blipFill>
+          <a:blip r:embed="rId3">
+            <a:alphaModFix/>
+          </a:blip>
+          <a:stretch>
+            <a:fillRect/>
+          </a:stretch>
+        </p:blipFill>
+        <p:spPr>
+          <a:xfrm>
+            <a:off x="259000" y="1890650"/>
+            <a:ext cx="4410175" cy="2678325"/>
+          </a:xfrm>
+          <a:prstGeom prst="rect">
+            <a:avLst/>
+          </a:prstGeom>
+          <a:noFill/>
+          <a:ln>
+            <a:noFill/>
+          </a:ln>
+        </p:spPr>
+      </p:pic>
+      <p:pic>
+        <p:nvPicPr>
+          <p:cNvPr id="172" name="Google Shape;172;p20"/>
+          <p:cNvPicPr preferRelativeResize="0"/>
+          <p:nvPr/>
+        </p:nvPicPr>
+        <p:blipFill>
+          <a:blip r:embed="rId4">
+            <a:alphaModFix/>
+          </a:blip>
+          <a:stretch>
+            <a:fillRect/>
+          </a:stretch>
+        </p:blipFill>
+        <p:spPr>
+          <a:xfrm>
+            <a:off x="4822800" y="1387625"/>
+            <a:ext cx="4171950" cy="3181350"/>
+          </a:xfrm>
+          <a:prstGeom prst="rect">
+            <a:avLst/>
+          </a:prstGeom>
+          <a:noFill/>
+          <a:ln>
+            <a:noFill/>
+          </a:ln>
+        </p:spPr>
+      </p:pic>
+    </p:spTree>
+  </p:cSld>
+  <p:clrMapOvr>
+    <a:masterClrMapping/>
+  </p:clrMapOvr>
+</p:sld>
+</file>
+
+<file path=ppt/slides/slide9.xml><?xml version="1.0" encoding="utf-8"?>
+<p:sld xmlns:a="http://schemas.openxmlformats.org/drawingml/2006/main" xmlns:r="http://schemas.openxmlformats.org/officeDocument/2006/relationships" xmlns:mc="http://schemas.openxmlformats.org/markup-compatibility/2006" xmlns:mv="urn:schemas-microsoft-com:mac:vml" xmlns:p="http://schemas.openxmlformats.org/presentationml/2006/main" xmlns:c="http://schemas.openxmlformats.org/drawingml/2006/chart" xmlns:dgm="http://schemas.openxmlformats.org/drawingml/2006/diagram" xmlns:o="urn:schemas-microsoft-com:office:office" xmlns:v="urn:schemas-microsoft-com:vml" xmlns:pvml="urn:schemas-microsoft-com:office:powerpoint" xmlns:com="http://schemas.openxmlformats.org/drawingml/2006/compatibility" xmlns:p14="http://schemas.microsoft.com/office/powerpoint/2010/main" xmlns:p15="http://schemas.microsoft.com/office/powerpoint/2012/main" xmlns:ahyp="http://schemas.microsoft.com/office/drawing/2018/hyperlinkcolor">
+  <p:cSld>
+    <p:spTree>
+      <p:nvGrpSpPr>
+        <p:cNvPr id="176" name="Shape 176"/>
+        <p:cNvGrpSpPr/>
+        <p:nvPr/>
+      </p:nvGrpSpPr>
+      <p:grpSpPr>
+        <a:xfrm>
+          <a:off x="0" y="0"/>
+          <a:ext cx="0" cy="0"/>
+          <a:chOff x="0" y="0"/>
+          <a:chExt cx="0" cy="0"/>
+        </a:xfrm>
+      </p:grpSpPr>
       <p:sp>
         <p:nvSpPr>
-          <p:cNvPr id="158" name="Google Shape;158;p18"/>
+          <p:cNvPr id="177" name="Google Shape;177;p21"/>
           <p:cNvSpPr txBox="1"/>
           <p:nvPr>
-            <p:ph idx="4294967295" type="body"/>
+            <p:ph type="title"/>
           </p:nvPr>
         </p:nvSpPr>
         <p:spPr>
           <a:xfrm>
-            <a:off x="508325" y="1850300"/>
-            <a:ext cx="2478600" cy="2794800"/>
+            <a:off x="311700" y="410000"/>
+            <a:ext cx="8520600" cy="607800"/>
           </a:xfrm>
           <a:prstGeom prst="rect">
             <a:avLst/>
@@ -10339,401 +12535,15 @@
                 <a:spcPts val="0"/>
               </a:spcBef>
               <a:spcAft>
-                <a:spcPts val="1600"/>
+                <a:spcPts val="0"/>
               </a:spcAft>
               <a:buNone/>
             </a:pPr>
             <a:r>
-              <a:rPr lang="pt-BR" sz="1600"/>
-              <a:t>Text</a:t>
+              <a:rPr lang="pt-BR"/>
+              <a:t>Heatmap of Sentiments by Country</a:t>
             </a:r>
-            <a:endParaRPr sz="1600"/>
-          </a:p>
-        </p:txBody>
-      </p:sp>
-      <p:grpSp>
-        <p:nvGrpSpPr>
-          <p:cNvPr id="159" name="Google Shape;159;p18"/>
-          <p:cNvGrpSpPr/>
-          <p:nvPr/>
-        </p:nvGrpSpPr>
-        <p:grpSpPr>
-          <a:xfrm>
-            <a:off x="3320450" y="1304875"/>
-            <a:ext cx="2632500" cy="3416400"/>
-            <a:chOff x="3320450" y="1304875"/>
-            <a:chExt cx="2632500" cy="3416400"/>
-          </a:xfrm>
-        </p:grpSpPr>
-        <p:sp>
-          <p:nvSpPr>
-            <p:cNvPr id="160" name="Google Shape;160;p18"/>
-            <p:cNvSpPr txBox="1"/>
-            <p:nvPr/>
-          </p:nvSpPr>
-          <p:spPr>
-            <a:xfrm>
-              <a:off x="3324050" y="1304875"/>
-              <a:ext cx="2628900" cy="464100"/>
-            </a:xfrm>
-            <a:prstGeom prst="rect">
-              <a:avLst/>
-            </a:prstGeom>
-            <a:solidFill>
-              <a:schemeClr val="dk1"/>
-            </a:solidFill>
-            <a:ln>
-              <a:noFill/>
-            </a:ln>
-          </p:spPr>
-          <p:txBody>
-            <a:bodyPr anchorCtr="0" anchor="ctr" bIns="91425" lIns="91425" spcFirstLastPara="1" rIns="91425" wrap="square" tIns="91425">
-              <a:noAutofit/>
-            </a:bodyPr>
-            <a:lstStyle/>
-            <a:p>
-              <a:pPr indent="0" lvl="0" marL="0" rtl="0" algn="l">
-                <a:spcBef>
-                  <a:spcPts val="0"/>
-                </a:spcBef>
-                <a:spcAft>
-                  <a:spcPts val="0"/>
-                </a:spcAft>
-                <a:buNone/>
-              </a:pPr>
-              <a:r>
-                <a:t/>
-              </a:r>
-              <a:endParaRPr/>
-            </a:p>
-          </p:txBody>
-        </p:sp>
-        <p:sp>
-          <p:nvSpPr>
-            <p:cNvPr id="161" name="Google Shape;161;p18"/>
-            <p:cNvSpPr/>
-            <p:nvPr/>
-          </p:nvSpPr>
-          <p:spPr>
-            <a:xfrm>
-              <a:off x="3320450" y="1304875"/>
-              <a:ext cx="2628900" cy="3416400"/>
-            </a:xfrm>
-            <a:prstGeom prst="rect">
-              <a:avLst/>
-            </a:prstGeom>
-            <a:noFill/>
-            <a:ln cap="flat" cmpd="sng" w="9525">
-              <a:solidFill>
-                <a:schemeClr val="dk1"/>
-              </a:solidFill>
-              <a:prstDash val="solid"/>
-              <a:round/>
-              <a:headEnd len="sm" w="sm" type="none"/>
-              <a:tailEnd len="sm" w="sm" type="none"/>
-            </a:ln>
-          </p:spPr>
-          <p:txBody>
-            <a:bodyPr anchorCtr="0" anchor="ctr" bIns="91425" lIns="91425" spcFirstLastPara="1" rIns="91425" wrap="square" tIns="91425">
-              <a:noAutofit/>
-            </a:bodyPr>
-            <a:lstStyle/>
-            <a:p>
-              <a:pPr indent="0" lvl="0" marL="0" rtl="0" algn="l">
-                <a:spcBef>
-                  <a:spcPts val="0"/>
-                </a:spcBef>
-                <a:spcAft>
-                  <a:spcPts val="0"/>
-                </a:spcAft>
-                <a:buNone/>
-              </a:pPr>
-              <a:r>
-                <a:t/>
-              </a:r>
-              <a:endParaRPr/>
-            </a:p>
-          </p:txBody>
-        </p:sp>
-      </p:grpSp>
-      <p:sp>
-        <p:nvSpPr>
-          <p:cNvPr id="162" name="Google Shape;162;p18"/>
-          <p:cNvSpPr txBox="1"/>
-          <p:nvPr>
-            <p:ph idx="4294967295" type="body"/>
-          </p:nvPr>
-        </p:nvSpPr>
-        <p:spPr>
-          <a:xfrm>
-            <a:off x="3389450" y="1304875"/>
-            <a:ext cx="2494500" cy="461400"/>
-          </a:xfrm>
-          <a:prstGeom prst="rect">
-            <a:avLst/>
-          </a:prstGeom>
-        </p:spPr>
-        <p:txBody>
-          <a:bodyPr anchorCtr="0" anchor="t" bIns="91425" lIns="91425" spcFirstLastPara="1" rIns="91425" wrap="square" tIns="91425">
-            <a:noAutofit/>
-          </a:bodyPr>
-          <a:lstStyle/>
-          <a:p>
-            <a:pPr indent="0" lvl="0" marL="0" rtl="0" algn="l">
-              <a:spcBef>
-                <a:spcPts val="0"/>
-              </a:spcBef>
-              <a:spcAft>
-                <a:spcPts val="0"/>
-              </a:spcAft>
-              <a:buNone/>
-            </a:pPr>
-            <a:r>
-              <a:rPr lang="pt-BR" sz="1600">
-                <a:solidFill>
-                  <a:schemeClr val="lt1"/>
-                </a:solidFill>
-              </a:rPr>
-              <a:t>Multinomial Naive Bayes</a:t>
-            </a:r>
-            <a:endParaRPr sz="1600">
-              <a:solidFill>
-                <a:schemeClr val="lt1"/>
-              </a:solidFill>
-            </a:endParaRPr>
-          </a:p>
-        </p:txBody>
-      </p:sp>
-      <p:sp>
-        <p:nvSpPr>
-          <p:cNvPr id="163" name="Google Shape;163;p18"/>
-          <p:cNvSpPr txBox="1"/>
-          <p:nvPr>
-            <p:ph idx="4294967295" type="body"/>
-          </p:nvPr>
-        </p:nvSpPr>
-        <p:spPr>
-          <a:xfrm>
-            <a:off x="3396775" y="1850300"/>
-            <a:ext cx="2478600" cy="2794800"/>
-          </a:xfrm>
-          <a:prstGeom prst="rect">
-            <a:avLst/>
-          </a:prstGeom>
-        </p:spPr>
-        <p:txBody>
-          <a:bodyPr anchorCtr="0" anchor="t" bIns="91425" lIns="91425" spcFirstLastPara="1" rIns="91425" wrap="square" tIns="91425">
-            <a:noAutofit/>
-          </a:bodyPr>
-          <a:lstStyle/>
-          <a:p>
-            <a:pPr indent="0" lvl="0" marL="0" rtl="0" algn="l">
-              <a:spcBef>
-                <a:spcPts val="0"/>
-              </a:spcBef>
-              <a:spcAft>
-                <a:spcPts val="1600"/>
-              </a:spcAft>
-              <a:buNone/>
-            </a:pPr>
-            <a:r>
-              <a:rPr lang="pt-BR" sz="1600"/>
-              <a:t>Text</a:t>
-            </a:r>
-            <a:endParaRPr sz="1600"/>
-          </a:p>
-        </p:txBody>
-      </p:sp>
-      <p:grpSp>
-        <p:nvGrpSpPr>
-          <p:cNvPr id="164" name="Google Shape;164;p18"/>
-          <p:cNvGrpSpPr/>
-          <p:nvPr/>
-        </p:nvGrpSpPr>
-        <p:grpSpPr>
-          <a:xfrm>
-            <a:off x="6212550" y="1304875"/>
-            <a:ext cx="2632500" cy="3416400"/>
-            <a:chOff x="6212550" y="1304875"/>
-            <a:chExt cx="2632500" cy="3416400"/>
-          </a:xfrm>
-        </p:grpSpPr>
-        <p:sp>
-          <p:nvSpPr>
-            <p:cNvPr id="165" name="Google Shape;165;p18"/>
-            <p:cNvSpPr/>
-            <p:nvPr/>
-          </p:nvSpPr>
-          <p:spPr>
-            <a:xfrm>
-              <a:off x="6215400" y="1304875"/>
-              <a:ext cx="2628900" cy="3416400"/>
-            </a:xfrm>
-            <a:prstGeom prst="rect">
-              <a:avLst/>
-            </a:prstGeom>
-            <a:noFill/>
-            <a:ln cap="flat" cmpd="sng" w="9525">
-              <a:solidFill>
-                <a:schemeClr val="dk1"/>
-              </a:solidFill>
-              <a:prstDash val="solid"/>
-              <a:round/>
-              <a:headEnd len="sm" w="sm" type="none"/>
-              <a:tailEnd len="sm" w="sm" type="none"/>
-            </a:ln>
-          </p:spPr>
-          <p:txBody>
-            <a:bodyPr anchorCtr="0" anchor="ctr" bIns="91425" lIns="91425" spcFirstLastPara="1" rIns="91425" wrap="square" tIns="91425">
-              <a:noAutofit/>
-            </a:bodyPr>
-            <a:lstStyle/>
-            <a:p>
-              <a:pPr indent="0" lvl="0" marL="0" rtl="0" algn="l">
-                <a:spcBef>
-                  <a:spcPts val="0"/>
-                </a:spcBef>
-                <a:spcAft>
-                  <a:spcPts val="0"/>
-                </a:spcAft>
-                <a:buNone/>
-              </a:pPr>
-              <a:r>
-                <a:t/>
-              </a:r>
-              <a:endParaRPr/>
-            </a:p>
-          </p:txBody>
-        </p:sp>
-        <p:sp>
-          <p:nvSpPr>
-            <p:cNvPr id="166" name="Google Shape;166;p18"/>
-            <p:cNvSpPr txBox="1"/>
-            <p:nvPr/>
-          </p:nvSpPr>
-          <p:spPr>
-            <a:xfrm>
-              <a:off x="6212550" y="1304875"/>
-              <a:ext cx="2632500" cy="464100"/>
-            </a:xfrm>
-            <a:prstGeom prst="rect">
-              <a:avLst/>
-            </a:prstGeom>
-            <a:solidFill>
-              <a:schemeClr val="dk1"/>
-            </a:solidFill>
-            <a:ln>
-              <a:noFill/>
-            </a:ln>
-          </p:spPr>
-          <p:txBody>
-            <a:bodyPr anchorCtr="0" anchor="ctr" bIns="91425" lIns="91425" spcFirstLastPara="1" rIns="91425" wrap="square" tIns="91425">
-              <a:noAutofit/>
-            </a:bodyPr>
-            <a:lstStyle/>
-            <a:p>
-              <a:pPr indent="0" lvl="0" marL="0" rtl="0" algn="l">
-                <a:spcBef>
-                  <a:spcPts val="0"/>
-                </a:spcBef>
-                <a:spcAft>
-                  <a:spcPts val="0"/>
-                </a:spcAft>
-                <a:buNone/>
-              </a:pPr>
-              <a:r>
-                <a:t/>
-              </a:r>
-              <a:endParaRPr/>
-            </a:p>
-          </p:txBody>
-        </p:sp>
-      </p:grpSp>
-      <p:sp>
-        <p:nvSpPr>
-          <p:cNvPr id="167" name="Google Shape;167;p18"/>
-          <p:cNvSpPr txBox="1"/>
-          <p:nvPr>
-            <p:ph idx="4294967295" type="body"/>
-          </p:nvPr>
-        </p:nvSpPr>
-        <p:spPr>
-          <a:xfrm>
-            <a:off x="6272475" y="1304875"/>
-            <a:ext cx="2494500" cy="461400"/>
-          </a:xfrm>
-          <a:prstGeom prst="rect">
-            <a:avLst/>
-          </a:prstGeom>
-        </p:spPr>
-        <p:txBody>
-          <a:bodyPr anchorCtr="0" anchor="t" bIns="91425" lIns="91425" spcFirstLastPara="1" rIns="91425" wrap="square" tIns="91425">
-            <a:noAutofit/>
-          </a:bodyPr>
-          <a:lstStyle/>
-          <a:p>
-            <a:pPr indent="0" lvl="0" marL="0" rtl="0" algn="l">
-              <a:spcBef>
-                <a:spcPts val="0"/>
-              </a:spcBef>
-              <a:spcAft>
-                <a:spcPts val="0"/>
-              </a:spcAft>
-              <a:buNone/>
-            </a:pPr>
-            <a:r>
-              <a:rPr lang="pt-BR" sz="1600">
-                <a:solidFill>
-                  <a:schemeClr val="lt1"/>
-                </a:solidFill>
-              </a:rPr>
-              <a:t>Linear SVC</a:t>
-            </a:r>
-            <a:endParaRPr sz="1600">
-              <a:solidFill>
-                <a:schemeClr val="lt1"/>
-              </a:solidFill>
-            </a:endParaRPr>
-          </a:p>
-        </p:txBody>
-      </p:sp>
-      <p:sp>
-        <p:nvSpPr>
-          <p:cNvPr id="168" name="Google Shape;168;p18"/>
-          <p:cNvSpPr txBox="1"/>
-          <p:nvPr>
-            <p:ph idx="4294967295" type="body"/>
-          </p:nvPr>
-        </p:nvSpPr>
-        <p:spPr>
-          <a:xfrm>
-            <a:off x="6286400" y="1850300"/>
-            <a:ext cx="2478600" cy="2794800"/>
-          </a:xfrm>
-          <a:prstGeom prst="rect">
-            <a:avLst/>
-          </a:prstGeom>
-        </p:spPr>
-        <p:txBody>
-          <a:bodyPr anchorCtr="0" anchor="t" bIns="91425" lIns="91425" spcFirstLastPara="1" rIns="91425" wrap="square" tIns="91425">
-            <a:noAutofit/>
-          </a:bodyPr>
-          <a:lstStyle/>
-          <a:p>
-            <a:pPr indent="0" lvl="0" marL="0" rtl="0" algn="l">
-              <a:spcBef>
-                <a:spcPts val="0"/>
-              </a:spcBef>
-              <a:spcAft>
-                <a:spcPts val="1600"/>
-              </a:spcAft>
-              <a:buNone/>
-            </a:pPr>
-            <a:r>
-              <a:rPr lang="pt-BR" sz="1600"/>
-              <a:t>Text</a:t>
-            </a:r>
-            <a:endParaRPr sz="1600"/>
+            <a:endParaRPr/>
           </a:p>
         </p:txBody>
       </p:sp>
@@ -10746,6 +12556,285 @@
 </file>
 
 <file path=ppt/theme/theme1.xml><?xml version="1.0" encoding="utf-8"?>
+<a:theme xmlns:a="http://schemas.openxmlformats.org/drawingml/2006/main" xmlns:r="http://schemas.openxmlformats.org/officeDocument/2006/relationships" name="Geometric">
+  <a:themeElements>
+    <a:clrScheme name="Geometric">
+      <a:dk1>
+        <a:srgbClr val="2A3990"/>
+      </a:dk1>
+      <a:lt1>
+        <a:srgbClr val="FFFFFF"/>
+      </a:lt1>
+      <a:dk2>
+        <a:srgbClr val="434343"/>
+      </a:dk2>
+      <a:lt2>
+        <a:srgbClr val="999999"/>
+      </a:lt2>
+      <a:accent1>
+        <a:srgbClr val="212D74"/>
+      </a:accent1>
+      <a:accent2>
+        <a:srgbClr val="3949AB"/>
+      </a:accent2>
+      <a:accent3>
+        <a:srgbClr val="9C254D"/>
+      </a:accent3>
+      <a:accent4>
+        <a:srgbClr val="D23369"/>
+      </a:accent4>
+      <a:accent5>
+        <a:srgbClr val="F06292"/>
+      </a:accent5>
+      <a:accent6>
+        <a:srgbClr val="7890CD"/>
+      </a:accent6>
+      <a:hlink>
+        <a:srgbClr val="F06292"/>
+      </a:hlink>
+      <a:folHlink>
+        <a:srgbClr val="F06292"/>
+      </a:folHlink>
+    </a:clrScheme>
+    <a:fontScheme name="Office">
+      <a:majorFont>
+        <a:latin typeface="Arial"/>
+        <a:ea typeface=""/>
+        <a:cs typeface=""/>
+        <a:font script="Jpan" typeface="ＭＳ Ｐゴシック"/>
+        <a:font script="Hang" typeface="맑은 고딕"/>
+        <a:font script="Hans" typeface="宋体"/>
+        <a:font script="Hant" typeface="新細明體"/>
+        <a:font script="Arab" typeface="Times New Roman"/>
+        <a:font script="Hebr" typeface="Times New Roman"/>
+        <a:font script="Thai" typeface="Angsana New"/>
+        <a:font script="Ethi" typeface="Nyala"/>
+        <a:font script="Beng" typeface="Vrinda"/>
+        <a:font script="Gujr" typeface="Shruti"/>
+        <a:font script="Khmr" typeface="MoolBoran"/>
+        <a:font script="Knda" typeface="Tunga"/>
+        <a:font script="Guru" typeface="Raavi"/>
+        <a:font script="Cans" typeface="Euphemia"/>
+        <a:font script="Cher" typeface="Plantagenet Cherokee"/>
+        <a:font script="Yiii" typeface="Microsoft Yi Baiti"/>
+        <a:font script="Tibt" typeface="Microsoft Himalaya"/>
+        <a:font script="Thaa" typeface="MV Boli"/>
+        <a:font script="Deva" typeface="Mangal"/>
+        <a:font script="Telu" typeface="Gautami"/>
+        <a:font script="Taml" typeface="Latha"/>
+        <a:font script="Syrc" typeface="Estrangelo Edessa"/>
+        <a:font script="Orya" typeface="Kalinga"/>
+        <a:font script="Mlym" typeface="Kartika"/>
+        <a:font script="Laoo" typeface="DokChampa"/>
+        <a:font script="Sinh" typeface="Iskoola Pota"/>
+        <a:font script="Mong" typeface="Mongolian Baiti"/>
+        <a:font script="Viet" typeface="Times New Roman"/>
+        <a:font script="Uigh" typeface="Microsoft Uighur"/>
+        <a:font script="Geor" typeface="Sylfaen"/>
+      </a:majorFont>
+      <a:minorFont>
+        <a:latin typeface="Arial"/>
+        <a:ea typeface=""/>
+        <a:cs typeface=""/>
+        <a:font script="Jpan" typeface="ＭＳ Ｐゴシック"/>
+        <a:font script="Hang" typeface="맑은 고딕"/>
+        <a:font script="Hans" typeface="宋体"/>
+        <a:font script="Hant" typeface="新細明體"/>
+        <a:font script="Arab" typeface="Arial"/>
+        <a:font script="Hebr" typeface="Arial"/>
+        <a:font script="Thai" typeface="Cordia New"/>
+        <a:font script="Ethi" typeface="Nyala"/>
+        <a:font script="Beng" typeface="Vrinda"/>
+        <a:font script="Gujr" typeface="Shruti"/>
+        <a:font script="Khmr" typeface="DaunPenh"/>
+        <a:font script="Knda" typeface="Tunga"/>
+        <a:font script="Guru" typeface="Raavi"/>
+        <a:font script="Cans" typeface="Euphemia"/>
+        <a:font script="Cher" typeface="Plantagenet Cherokee"/>
+        <a:font script="Yiii" typeface="Microsoft Yi Baiti"/>
+        <a:font script="Tibt" typeface="Microsoft Himalaya"/>
+        <a:font script="Thaa" typeface="MV Boli"/>
+        <a:font script="Deva" typeface="Mangal"/>
+        <a:font script="Telu" typeface="Gautami"/>
+        <a:font script="Taml" typeface="Latha"/>
+        <a:font script="Syrc" typeface="Estrangelo Edessa"/>
+        <a:font script="Orya" typeface="Kalinga"/>
+        <a:font script="Mlym" typeface="Kartika"/>
+        <a:font script="Laoo" typeface="DokChampa"/>
+        <a:font script="Sinh" typeface="Iskoola Pota"/>
+        <a:font script="Mong" typeface="Mongolian Baiti"/>
+        <a:font script="Viet" typeface="Arial"/>
+        <a:font script="Uigh" typeface="Microsoft Uighur"/>
+        <a:font script="Geor" typeface="Sylfaen"/>
+      </a:minorFont>
+    </a:fontScheme>
+    <a:fmtScheme name="Office">
+      <a:fillStyleLst>
+        <a:solidFill>
+          <a:schemeClr val="phClr"/>
+        </a:solidFill>
+        <a:gradFill rotWithShape="1">
+          <a:gsLst>
+            <a:gs pos="0">
+              <a:schemeClr val="phClr">
+                <a:tint val="50000"/>
+                <a:satMod val="300000"/>
+              </a:schemeClr>
+            </a:gs>
+            <a:gs pos="35000">
+              <a:schemeClr val="phClr">
+                <a:tint val="37000"/>
+                <a:satMod val="300000"/>
+              </a:schemeClr>
+            </a:gs>
+            <a:gs pos="100000">
+              <a:schemeClr val="phClr">
+                <a:tint val="15000"/>
+                <a:satMod val="350000"/>
+              </a:schemeClr>
+            </a:gs>
+          </a:gsLst>
+          <a:lin ang="16200000" scaled="1"/>
+        </a:gradFill>
+        <a:gradFill rotWithShape="1">
+          <a:gsLst>
+            <a:gs pos="0">
+              <a:schemeClr val="phClr">
+                <a:tint val="100000"/>
+                <a:shade val="100000"/>
+                <a:satMod val="130000"/>
+              </a:schemeClr>
+            </a:gs>
+            <a:gs pos="100000">
+              <a:schemeClr val="phClr">
+                <a:tint val="50000"/>
+                <a:shade val="100000"/>
+                <a:satMod val="350000"/>
+              </a:schemeClr>
+            </a:gs>
+          </a:gsLst>
+          <a:lin ang="16200000" scaled="0"/>
+        </a:gradFill>
+      </a:fillStyleLst>
+      <a:lnStyleLst>
+        <a:ln w="9525" cap="flat" cmpd="sng" algn="ctr">
+          <a:solidFill>
+            <a:schemeClr val="phClr">
+              <a:shade val="95000"/>
+              <a:satMod val="105000"/>
+            </a:schemeClr>
+          </a:solidFill>
+          <a:prstDash val="solid"/>
+        </a:ln>
+        <a:ln w="25400" cap="flat" cmpd="sng" algn="ctr">
+          <a:solidFill>
+            <a:schemeClr val="phClr"/>
+          </a:solidFill>
+          <a:prstDash val="solid"/>
+        </a:ln>
+        <a:ln w="38100" cap="flat" cmpd="sng" algn="ctr">
+          <a:solidFill>
+            <a:schemeClr val="phClr"/>
+          </a:solidFill>
+          <a:prstDash val="solid"/>
+        </a:ln>
+      </a:lnStyleLst>
+      <a:effectStyleLst>
+        <a:effectStyle>
+          <a:effectLst>
+            <a:outerShdw blurRad="40000" dist="20000" dir="5400000" rotWithShape="0">
+              <a:srgbClr val="000000">
+                <a:alpha val="38000"/>
+              </a:srgbClr>
+            </a:outerShdw>
+          </a:effectLst>
+        </a:effectStyle>
+        <a:effectStyle>
+          <a:effectLst>
+            <a:outerShdw blurRad="40000" dist="23000" dir="5400000" rotWithShape="0">
+              <a:srgbClr val="000000">
+                <a:alpha val="35000"/>
+              </a:srgbClr>
+            </a:outerShdw>
+          </a:effectLst>
+        </a:effectStyle>
+        <a:effectStyle>
+          <a:effectLst>
+            <a:outerShdw blurRad="40000" dist="23000" dir="5400000" rotWithShape="0">
+              <a:srgbClr val="000000">
+                <a:alpha val="35000"/>
+              </a:srgbClr>
+            </a:outerShdw>
+          </a:effectLst>
+          <a:scene3d>
+            <a:camera prst="orthographicFront">
+              <a:rot lat="0" lon="0" rev="0"/>
+            </a:camera>
+            <a:lightRig rig="threePt" dir="t">
+              <a:rot lat="0" lon="0" rev="1200000"/>
+            </a:lightRig>
+          </a:scene3d>
+          <a:sp3d>
+            <a:bevelT w="63500" h="25400"/>
+          </a:sp3d>
+        </a:effectStyle>
+      </a:effectStyleLst>
+      <a:bgFillStyleLst>
+        <a:solidFill>
+          <a:schemeClr val="phClr"/>
+        </a:solidFill>
+        <a:gradFill rotWithShape="1">
+          <a:gsLst>
+            <a:gs pos="0">
+              <a:schemeClr val="phClr">
+                <a:tint val="40000"/>
+                <a:satMod val="350000"/>
+              </a:schemeClr>
+            </a:gs>
+            <a:gs pos="40000">
+              <a:schemeClr val="phClr">
+                <a:tint val="45000"/>
+                <a:shade val="99000"/>
+                <a:satMod val="350000"/>
+              </a:schemeClr>
+            </a:gs>
+            <a:gs pos="100000">
+              <a:schemeClr val="phClr">
+                <a:shade val="20000"/>
+                <a:satMod val="255000"/>
+              </a:schemeClr>
+            </a:gs>
+          </a:gsLst>
+          <a:path path="circle">
+            <a:fillToRect l="50000" t="-80000" r="50000" b="180000"/>
+          </a:path>
+        </a:gradFill>
+        <a:gradFill rotWithShape="1">
+          <a:gsLst>
+            <a:gs pos="0">
+              <a:schemeClr val="phClr">
+                <a:tint val="80000"/>
+                <a:satMod val="300000"/>
+              </a:schemeClr>
+            </a:gs>
+            <a:gs pos="100000">
+              <a:schemeClr val="phClr">
+                <a:shade val="30000"/>
+                <a:satMod val="200000"/>
+              </a:schemeClr>
+            </a:gs>
+          </a:gsLst>
+          <a:path path="circle">
+            <a:fillToRect l="50000" t="50000" r="50000" b="50000"/>
+          </a:path>
+        </a:gradFill>
+      </a:bgFillStyleLst>
+    </a:fmtScheme>
+  </a:themeElements>
+</a:theme>
+</file>
+
+<file path=ppt/theme/theme2.xml><?xml version="1.0" encoding="utf-8"?>
 <a:theme xmlns:a="http://schemas.openxmlformats.org/drawingml/2006/main" xmlns:r="http://schemas.openxmlformats.org/officeDocument/2006/relationships">
   <a:themeElements>
     <a:clrScheme name="Default">
@@ -11022,283 +13111,4 @@
     </a:fmtScheme>
   </a:themeElements>
 </a:theme>
-</file>
-
-<file path=ppt/theme/theme2.xml><?xml version="1.0" encoding="utf-8"?>
-<a:theme xmlns:a="http://schemas.openxmlformats.org/drawingml/2006/main" xmlns:r="http://schemas.openxmlformats.org/officeDocument/2006/relationships" name="Geometric">
-  <a:themeElements>
-    <a:clrScheme name="Geometric">
-      <a:dk1>
-        <a:srgbClr val="2A3990"/>
-      </a:dk1>
-      <a:lt1>
-        <a:srgbClr val="FFFFFF"/>
-      </a:lt1>
-      <a:dk2>
-        <a:srgbClr val="434343"/>
-      </a:dk2>
-      <a:lt2>
-        <a:srgbClr val="999999"/>
-      </a:lt2>
-      <a:accent1>
-        <a:srgbClr val="212D74"/>
-      </a:accent1>
-      <a:accent2>
-        <a:srgbClr val="3949AB"/>
-      </a:accent2>
-      <a:accent3>
-        <a:srgbClr val="9C254D"/>
-      </a:accent3>
-      <a:accent4>
-        <a:srgbClr val="D23369"/>
-      </a:accent4>
-      <a:accent5>
-        <a:srgbClr val="F06292"/>
-      </a:accent5>
-      <a:accent6>
-        <a:srgbClr val="7890CD"/>
-      </a:accent6>
-      <a:hlink>
-        <a:srgbClr val="F06292"/>
-      </a:hlink>
-      <a:folHlink>
-        <a:srgbClr val="F06292"/>
-      </a:folHlink>
-    </a:clrScheme>
-    <a:fontScheme name="Office">
-      <a:majorFont>
-        <a:latin typeface="Arial"/>
-        <a:ea typeface=""/>
-        <a:cs typeface=""/>
-        <a:font script="Jpan" typeface="ＭＳ Ｐゴシック"/>
-        <a:font script="Hang" typeface="맑은 고딕"/>
-        <a:font script="Hans" typeface="宋体"/>
-        <a:font script="Hant" typeface="新細明體"/>
-        <a:font script="Arab" typeface="Times New Roman"/>
-        <a:font script="Hebr" typeface="Times New Roman"/>
-        <a:font script="Thai" typeface="Angsana New"/>
-        <a:font script="Ethi" typeface="Nyala"/>
-        <a:font script="Beng" typeface="Vrinda"/>
-        <a:font script="Gujr" typeface="Shruti"/>
-        <a:font script="Khmr" typeface="MoolBoran"/>
-        <a:font script="Knda" typeface="Tunga"/>
-        <a:font script="Guru" typeface="Raavi"/>
-        <a:font script="Cans" typeface="Euphemia"/>
-        <a:font script="Cher" typeface="Plantagenet Cherokee"/>
-        <a:font script="Yiii" typeface="Microsoft Yi Baiti"/>
-        <a:font script="Tibt" typeface="Microsoft Himalaya"/>
-        <a:font script="Thaa" typeface="MV Boli"/>
-        <a:font script="Deva" typeface="Mangal"/>
-        <a:font script="Telu" typeface="Gautami"/>
-        <a:font script="Taml" typeface="Latha"/>
-        <a:font script="Syrc" typeface="Estrangelo Edessa"/>
-        <a:font script="Orya" typeface="Kalinga"/>
-        <a:font script="Mlym" typeface="Kartika"/>
-        <a:font script="Laoo" typeface="DokChampa"/>
-        <a:font script="Sinh" typeface="Iskoola Pota"/>
-        <a:font script="Mong" typeface="Mongolian Baiti"/>
-        <a:font script="Viet" typeface="Times New Roman"/>
-        <a:font script="Uigh" typeface="Microsoft Uighur"/>
-        <a:font script="Geor" typeface="Sylfaen"/>
-      </a:majorFont>
-      <a:minorFont>
-        <a:latin typeface="Arial"/>
-        <a:ea typeface=""/>
-        <a:cs typeface=""/>
-        <a:font script="Jpan" typeface="ＭＳ Ｐゴシック"/>
-        <a:font script="Hang" typeface="맑은 고딕"/>
-        <a:font script="Hans" typeface="宋体"/>
-        <a:font script="Hant" typeface="新細明體"/>
-        <a:font script="Arab" typeface="Arial"/>
-        <a:font script="Hebr" typeface="Arial"/>
-        <a:font script="Thai" typeface="Cordia New"/>
-        <a:font script="Ethi" typeface="Nyala"/>
-        <a:font script="Beng" typeface="Vrinda"/>
-        <a:font script="Gujr" typeface="Shruti"/>
-        <a:font script="Khmr" typeface="DaunPenh"/>
-        <a:font script="Knda" typeface="Tunga"/>
-        <a:font script="Guru" typeface="Raavi"/>
-        <a:font script="Cans" typeface="Euphemia"/>
-        <a:font script="Cher" typeface="Plantagenet Cherokee"/>
-        <a:font script="Yiii" typeface="Microsoft Yi Baiti"/>
-        <a:font script="Tibt" typeface="Microsoft Himalaya"/>
-        <a:font script="Thaa" typeface="MV Boli"/>
-        <a:font script="Deva" typeface="Mangal"/>
-        <a:font script="Telu" typeface="Gautami"/>
-        <a:font script="Taml" typeface="Latha"/>
-        <a:font script="Syrc" typeface="Estrangelo Edessa"/>
-        <a:font script="Orya" typeface="Kalinga"/>
-        <a:font script="Mlym" typeface="Kartika"/>
-        <a:font script="Laoo" typeface="DokChampa"/>
-        <a:font script="Sinh" typeface="Iskoola Pota"/>
-        <a:font script="Mong" typeface="Mongolian Baiti"/>
-        <a:font script="Viet" typeface="Arial"/>
-        <a:font script="Uigh" typeface="Microsoft Uighur"/>
-        <a:font script="Geor" typeface="Sylfaen"/>
-      </a:minorFont>
-    </a:fontScheme>
-    <a:fmtScheme name="Office">
-      <a:fillStyleLst>
-        <a:solidFill>
-          <a:schemeClr val="phClr"/>
-        </a:solidFill>
-        <a:gradFill rotWithShape="1">
-          <a:gsLst>
-            <a:gs pos="0">
-              <a:schemeClr val="phClr">
-                <a:tint val="50000"/>
-                <a:satMod val="300000"/>
-              </a:schemeClr>
-            </a:gs>
-            <a:gs pos="35000">
-              <a:schemeClr val="phClr">
-                <a:tint val="37000"/>
-                <a:satMod val="300000"/>
-              </a:schemeClr>
-            </a:gs>
-            <a:gs pos="100000">
-              <a:schemeClr val="phClr">
-                <a:tint val="15000"/>
-                <a:satMod val="350000"/>
-              </a:schemeClr>
-            </a:gs>
-          </a:gsLst>
-          <a:lin ang="16200000" scaled="1"/>
-        </a:gradFill>
-        <a:gradFill rotWithShape="1">
-          <a:gsLst>
-            <a:gs pos="0">
-              <a:schemeClr val="phClr">
-                <a:tint val="100000"/>
-                <a:shade val="100000"/>
-                <a:satMod val="130000"/>
-              </a:schemeClr>
-            </a:gs>
-            <a:gs pos="100000">
-              <a:schemeClr val="phClr">
-                <a:tint val="50000"/>
-                <a:shade val="100000"/>
-                <a:satMod val="350000"/>
-              </a:schemeClr>
-            </a:gs>
-          </a:gsLst>
-          <a:lin ang="16200000" scaled="0"/>
-        </a:gradFill>
-      </a:fillStyleLst>
-      <a:lnStyleLst>
-        <a:ln w="9525" cap="flat" cmpd="sng" algn="ctr">
-          <a:solidFill>
-            <a:schemeClr val="phClr">
-              <a:shade val="95000"/>
-              <a:satMod val="105000"/>
-            </a:schemeClr>
-          </a:solidFill>
-          <a:prstDash val="solid"/>
-        </a:ln>
-        <a:ln w="25400" cap="flat" cmpd="sng" algn="ctr">
-          <a:solidFill>
-            <a:schemeClr val="phClr"/>
-          </a:solidFill>
-          <a:prstDash val="solid"/>
-        </a:ln>
-        <a:ln w="38100" cap="flat" cmpd="sng" algn="ctr">
-          <a:solidFill>
-            <a:schemeClr val="phClr"/>
-          </a:solidFill>
-          <a:prstDash val="solid"/>
-        </a:ln>
-      </a:lnStyleLst>
-      <a:effectStyleLst>
-        <a:effectStyle>
-          <a:effectLst>
-            <a:outerShdw blurRad="40000" dist="20000" dir="5400000" rotWithShape="0">
-              <a:srgbClr val="000000">
-                <a:alpha val="38000"/>
-              </a:srgbClr>
-            </a:outerShdw>
-          </a:effectLst>
-        </a:effectStyle>
-        <a:effectStyle>
-          <a:effectLst>
-            <a:outerShdw blurRad="40000" dist="23000" dir="5400000" rotWithShape="0">
-              <a:srgbClr val="000000">
-                <a:alpha val="35000"/>
-              </a:srgbClr>
-            </a:outerShdw>
-          </a:effectLst>
-        </a:effectStyle>
-        <a:effectStyle>
-          <a:effectLst>
-            <a:outerShdw blurRad="40000" dist="23000" dir="5400000" rotWithShape="0">
-              <a:srgbClr val="000000">
-                <a:alpha val="35000"/>
-              </a:srgbClr>
-            </a:outerShdw>
-          </a:effectLst>
-          <a:scene3d>
-            <a:camera prst="orthographicFront">
-              <a:rot lat="0" lon="0" rev="0"/>
-            </a:camera>
-            <a:lightRig rig="threePt" dir="t">
-              <a:rot lat="0" lon="0" rev="1200000"/>
-            </a:lightRig>
-          </a:scene3d>
-          <a:sp3d>
-            <a:bevelT w="63500" h="25400"/>
-          </a:sp3d>
-        </a:effectStyle>
-      </a:effectStyleLst>
-      <a:bgFillStyleLst>
-        <a:solidFill>
-          <a:schemeClr val="phClr"/>
-        </a:solidFill>
-        <a:gradFill rotWithShape="1">
-          <a:gsLst>
-            <a:gs pos="0">
-              <a:schemeClr val="phClr">
-                <a:tint val="40000"/>
-                <a:satMod val="350000"/>
-              </a:schemeClr>
-            </a:gs>
-            <a:gs pos="40000">
-              <a:schemeClr val="phClr">
-                <a:tint val="45000"/>
-                <a:shade val="99000"/>
-                <a:satMod val="350000"/>
-              </a:schemeClr>
-            </a:gs>
-            <a:gs pos="100000">
-              <a:schemeClr val="phClr">
-                <a:shade val="20000"/>
-                <a:satMod val="255000"/>
-              </a:schemeClr>
-            </a:gs>
-          </a:gsLst>
-          <a:path path="circle">
-            <a:fillToRect l="50000" t="-80000" r="50000" b="180000"/>
-          </a:path>
-        </a:gradFill>
-        <a:gradFill rotWithShape="1">
-          <a:gsLst>
-            <a:gs pos="0">
-              <a:schemeClr val="phClr">
-                <a:tint val="80000"/>
-                <a:satMod val="300000"/>
-              </a:schemeClr>
-            </a:gs>
-            <a:gs pos="100000">
-              <a:schemeClr val="phClr">
-                <a:shade val="30000"/>
-                <a:satMod val="200000"/>
-              </a:schemeClr>
-            </a:gs>
-          </a:gsLst>
-          <a:path path="circle">
-            <a:fillToRect l="50000" t="50000" r="50000" b="50000"/>
-          </a:path>
-        </a:gradFill>
-      </a:bgFillStyleLst>
-    </a:fmtScheme>
-  </a:themeElements>
-</a:theme>
 </file>
--- a/Presentation_WarInUkraine.pptx
+++ b/Presentation_WarInUkraine.pptx
@@ -810,7 +810,7 @@
   <p:cSld>
     <p:spTree>
       <p:nvGrpSpPr>
-        <p:cNvPr id="178" name="Shape 178"/>
+        <p:cNvPr id="180" name="Shape 180"/>
         <p:cNvGrpSpPr/>
         <p:nvPr/>
       </p:nvGrpSpPr>
@@ -824,7 +824,7 @@
       </p:grpSpPr>
       <p:sp>
         <p:nvSpPr>
-          <p:cNvPr id="179" name="Google Shape;179;g11e4557ec18_0_139:notes"/>
+          <p:cNvPr id="181" name="Google Shape;181;g11e4557ec18_0_139:notes"/>
           <p:cNvSpPr/>
           <p:nvPr>
             <p:ph idx="2" type="sldImg"/>
@@ -859,7 +859,7 @@
       </p:sp>
       <p:sp>
         <p:nvSpPr>
-          <p:cNvPr id="180" name="Google Shape;180;g11e4557ec18_0_139:notes"/>
+          <p:cNvPr id="182" name="Google Shape;182;g11e4557ec18_0_139:notes"/>
           <p:cNvSpPr txBox="1"/>
           <p:nvPr>
             <p:ph idx="1" type="body"/>
@@ -909,7 +909,7 @@
   <p:cSld>
     <p:spTree>
       <p:nvGrpSpPr>
-        <p:cNvPr id="183" name="Shape 183"/>
+        <p:cNvPr id="185" name="Shape 185"/>
         <p:cNvGrpSpPr/>
         <p:nvPr/>
       </p:nvGrpSpPr>
@@ -923,7 +923,7 @@
       </p:grpSpPr>
       <p:sp>
         <p:nvSpPr>
-          <p:cNvPr id="184" name="Google Shape;184;g11e4557ec18_0_36:notes"/>
+          <p:cNvPr id="186" name="Google Shape;186;g11e4557ec18_0_36:notes"/>
           <p:cNvSpPr/>
           <p:nvPr>
             <p:ph idx="2" type="sldImg"/>
@@ -958,7 +958,7 @@
       </p:sp>
       <p:sp>
         <p:nvSpPr>
-          <p:cNvPr id="185" name="Google Shape;185;g11e4557ec18_0_36:notes"/>
+          <p:cNvPr id="187" name="Google Shape;187;g11e4557ec18_0_36:notes"/>
           <p:cNvSpPr txBox="1"/>
           <p:nvPr>
             <p:ph idx="1" type="body"/>
@@ -1008,7 +1008,7 @@
   <p:cSld>
     <p:spTree>
       <p:nvGrpSpPr>
-        <p:cNvPr id="203" name="Shape 203"/>
+        <p:cNvPr id="205" name="Shape 205"/>
         <p:cNvGrpSpPr/>
         <p:nvPr/>
       </p:nvGrpSpPr>
@@ -1022,7 +1022,7 @@
       </p:grpSpPr>
       <p:sp>
         <p:nvSpPr>
-          <p:cNvPr id="204" name="Google Shape;204;g11e4557ec18_0_133:notes"/>
+          <p:cNvPr id="206" name="Google Shape;206;g11e4557ec18_0_133:notes"/>
           <p:cNvSpPr/>
           <p:nvPr>
             <p:ph idx="2" type="sldImg"/>
@@ -1057,7 +1057,7 @@
       </p:sp>
       <p:sp>
         <p:nvSpPr>
-          <p:cNvPr id="205" name="Google Shape;205;g11e4557ec18_0_133:notes"/>
+          <p:cNvPr id="207" name="Google Shape;207;g11e4557ec18_0_133:notes"/>
           <p:cNvSpPr txBox="1"/>
           <p:nvPr>
             <p:ph idx="1" type="body"/>
@@ -1531,7 +1531,7 @@
   <p:cSld>
     <p:spTree>
       <p:nvGrpSpPr>
-        <p:cNvPr id="114" name="Shape 114"/>
+        <p:cNvPr id="116" name="Shape 116"/>
         <p:cNvGrpSpPr/>
         <p:nvPr/>
       </p:nvGrpSpPr>
@@ -1545,7 +1545,7 @@
       </p:grpSpPr>
       <p:sp>
         <p:nvSpPr>
-          <p:cNvPr id="115" name="Google Shape;115;gc6f9e470d_0_126:notes"/>
+          <p:cNvPr id="117" name="Google Shape;117;gc6f9e470d_0_126:notes"/>
           <p:cNvSpPr/>
           <p:nvPr>
             <p:ph idx="2" type="sldImg"/>
@@ -1580,7 +1580,7 @@
       </p:sp>
       <p:sp>
         <p:nvSpPr>
-          <p:cNvPr id="116" name="Google Shape;116;gc6f9e470d_0_126:notes"/>
+          <p:cNvPr id="118" name="Google Shape;118;gc6f9e470d_0_126:notes"/>
           <p:cNvSpPr txBox="1"/>
           <p:nvPr>
             <p:ph idx="1" type="body"/>
@@ -1630,7 +1630,7 @@
   <p:cSld>
     <p:spTree>
       <p:nvGrpSpPr>
-        <p:cNvPr id="155" name="Shape 155"/>
+        <p:cNvPr id="157" name="Shape 157"/>
         <p:cNvGrpSpPr/>
         <p:nvPr/>
       </p:nvGrpSpPr>
@@ -1644,7 +1644,7 @@
       </p:grpSpPr>
       <p:sp>
         <p:nvSpPr>
-          <p:cNvPr id="156" name="Google Shape;156;g11e4557ec18_0_147:notes"/>
+          <p:cNvPr id="158" name="Google Shape;158;g11e4557ec18_0_147:notes"/>
           <p:cNvSpPr/>
           <p:nvPr>
             <p:ph idx="2" type="sldImg"/>
@@ -1679,7 +1679,7 @@
       </p:sp>
       <p:sp>
         <p:nvSpPr>
-          <p:cNvPr id="157" name="Google Shape;157;g11e4557ec18_0_147:notes"/>
+          <p:cNvPr id="159" name="Google Shape;159;g11e4557ec18_0_147:notes"/>
           <p:cNvSpPr txBox="1"/>
           <p:nvPr>
             <p:ph idx="1" type="body"/>
@@ -1729,7 +1729,7 @@
   <p:cSld>
     <p:spTree>
       <p:nvGrpSpPr>
-        <p:cNvPr id="166" name="Shape 166"/>
+        <p:cNvPr id="168" name="Shape 168"/>
         <p:cNvGrpSpPr/>
         <p:nvPr/>
       </p:nvGrpSpPr>
@@ -1743,7 +1743,7 @@
       </p:grpSpPr>
       <p:sp>
         <p:nvSpPr>
-          <p:cNvPr id="167" name="Google Shape;167;g11e4557ec18_0_168:notes"/>
+          <p:cNvPr id="169" name="Google Shape;169;g11e4557ec18_0_168:notes"/>
           <p:cNvSpPr/>
           <p:nvPr>
             <p:ph idx="2" type="sldImg"/>
@@ -1778,7 +1778,7 @@
       </p:sp>
       <p:sp>
         <p:nvSpPr>
-          <p:cNvPr id="168" name="Google Shape;168;g11e4557ec18_0_168:notes"/>
+          <p:cNvPr id="170" name="Google Shape;170;g11e4557ec18_0_168:notes"/>
           <p:cNvSpPr txBox="1"/>
           <p:nvPr>
             <p:ph idx="1" type="body"/>
@@ -1828,7 +1828,7 @@
   <p:cSld>
     <p:spTree>
       <p:nvGrpSpPr>
-        <p:cNvPr id="173" name="Shape 173"/>
+        <p:cNvPr id="175" name="Shape 175"/>
         <p:cNvGrpSpPr/>
         <p:nvPr/>
       </p:nvGrpSpPr>
@@ -1842,7 +1842,7 @@
       </p:grpSpPr>
       <p:sp>
         <p:nvSpPr>
-          <p:cNvPr id="174" name="Google Shape;174;g11e4557ec18_0_143:notes"/>
+          <p:cNvPr id="176" name="Google Shape;176;g11e4557ec18_0_143:notes"/>
           <p:cNvSpPr/>
           <p:nvPr>
             <p:ph idx="2" type="sldImg"/>
@@ -1877,7 +1877,7 @@
       </p:sp>
       <p:sp>
         <p:nvSpPr>
-          <p:cNvPr id="175" name="Google Shape;175;g11e4557ec18_0_143:notes"/>
+          <p:cNvPr id="177" name="Google Shape;177;g11e4557ec18_0_143:notes"/>
           <p:cNvSpPr txBox="1"/>
           <p:nvPr>
             <p:ph idx="1" type="body"/>
@@ -8632,7 +8632,7 @@
   <p:cSld>
     <p:spTree>
       <p:nvGrpSpPr>
-        <p:cNvPr id="181" name="Shape 181"/>
+        <p:cNvPr id="183" name="Shape 183"/>
         <p:cNvGrpSpPr/>
         <p:nvPr/>
       </p:nvGrpSpPr>
@@ -8646,7 +8646,7 @@
       </p:grpSpPr>
       <p:sp>
         <p:nvSpPr>
-          <p:cNvPr id="182" name="Google Shape;182;p22"/>
+          <p:cNvPr id="184" name="Google Shape;184;p22"/>
           <p:cNvSpPr txBox="1"/>
           <p:nvPr>
             <p:ph type="title"/>
@@ -8697,7 +8697,7 @@
   <p:cSld>
     <p:spTree>
       <p:nvGrpSpPr>
-        <p:cNvPr id="186" name="Shape 186"/>
+        <p:cNvPr id="188" name="Shape 188"/>
         <p:cNvGrpSpPr/>
         <p:nvPr/>
       </p:nvGrpSpPr>
@@ -8711,7 +8711,7 @@
       </p:grpSpPr>
       <p:sp>
         <p:nvSpPr>
-          <p:cNvPr id="187" name="Google Shape;187;p23"/>
+          <p:cNvPr id="189" name="Google Shape;189;p23"/>
           <p:cNvSpPr txBox="1"/>
           <p:nvPr>
             <p:ph type="title"/>
@@ -8751,7 +8751,7 @@
       </p:sp>
       <p:grpSp>
         <p:nvGrpSpPr>
-          <p:cNvPr id="188" name="Google Shape;188;p23"/>
+          <p:cNvPr id="190" name="Google Shape;190;p23"/>
           <p:cNvGrpSpPr/>
           <p:nvPr/>
         </p:nvGrpSpPr>
@@ -8765,7 +8765,7 @@
         </p:grpSpPr>
         <p:sp>
           <p:nvSpPr>
-            <p:cNvPr id="189" name="Google Shape;189;p23"/>
+            <p:cNvPr id="191" name="Google Shape;191;p23"/>
             <p:cNvSpPr txBox="1"/>
             <p:nvPr/>
           </p:nvSpPr>
@@ -8808,7 +8808,7 @@
         </p:sp>
         <p:sp>
           <p:nvSpPr>
-            <p:cNvPr id="190" name="Google Shape;190;p23"/>
+            <p:cNvPr id="192" name="Google Shape;192;p23"/>
             <p:cNvSpPr/>
             <p:nvPr/>
           </p:nvSpPr>
@@ -8856,7 +8856,7 @@
       </p:grpSp>
       <p:sp>
         <p:nvSpPr>
-          <p:cNvPr id="191" name="Google Shape;191;p23"/>
+          <p:cNvPr id="193" name="Google Shape;193;p23"/>
           <p:cNvSpPr txBox="1"/>
           <p:nvPr>
             <p:ph idx="4294967295" type="body"/>
@@ -8904,7 +8904,7 @@
       </p:sp>
       <p:sp>
         <p:nvSpPr>
-          <p:cNvPr id="192" name="Google Shape;192;p23"/>
+          <p:cNvPr id="194" name="Google Shape;194;p23"/>
           <p:cNvSpPr txBox="1"/>
           <p:nvPr>
             <p:ph idx="4294967295" type="body"/>
@@ -8944,7 +8944,7 @@
       </p:sp>
       <p:grpSp>
         <p:nvGrpSpPr>
-          <p:cNvPr id="193" name="Google Shape;193;p23"/>
+          <p:cNvPr id="195" name="Google Shape;195;p23"/>
           <p:cNvGrpSpPr/>
           <p:nvPr/>
         </p:nvGrpSpPr>
@@ -8958,7 +8958,7 @@
         </p:grpSpPr>
         <p:sp>
           <p:nvSpPr>
-            <p:cNvPr id="194" name="Google Shape;194;p23"/>
+            <p:cNvPr id="196" name="Google Shape;196;p23"/>
             <p:cNvSpPr txBox="1"/>
             <p:nvPr/>
           </p:nvSpPr>
@@ -9001,7 +9001,7 @@
         </p:sp>
         <p:sp>
           <p:nvSpPr>
-            <p:cNvPr id="195" name="Google Shape;195;p23"/>
+            <p:cNvPr id="197" name="Google Shape;197;p23"/>
             <p:cNvSpPr/>
             <p:nvPr/>
           </p:nvSpPr>
@@ -9049,7 +9049,7 @@
       </p:grpSp>
       <p:sp>
         <p:nvSpPr>
-          <p:cNvPr id="196" name="Google Shape;196;p23"/>
+          <p:cNvPr id="198" name="Google Shape;198;p23"/>
           <p:cNvSpPr txBox="1"/>
           <p:nvPr>
             <p:ph idx="4294967295" type="body"/>
@@ -9097,7 +9097,7 @@
       </p:sp>
       <p:sp>
         <p:nvSpPr>
-          <p:cNvPr id="197" name="Google Shape;197;p23"/>
+          <p:cNvPr id="199" name="Google Shape;199;p23"/>
           <p:cNvSpPr txBox="1"/>
           <p:nvPr>
             <p:ph idx="4294967295" type="body"/>
@@ -9137,7 +9137,7 @@
       </p:sp>
       <p:grpSp>
         <p:nvGrpSpPr>
-          <p:cNvPr id="198" name="Google Shape;198;p23"/>
+          <p:cNvPr id="200" name="Google Shape;200;p23"/>
           <p:cNvGrpSpPr/>
           <p:nvPr/>
         </p:nvGrpSpPr>
@@ -9151,7 +9151,7 @@
         </p:grpSpPr>
         <p:sp>
           <p:nvSpPr>
-            <p:cNvPr id="199" name="Google Shape;199;p23"/>
+            <p:cNvPr id="201" name="Google Shape;201;p23"/>
             <p:cNvSpPr/>
             <p:nvPr/>
           </p:nvSpPr>
@@ -9198,7 +9198,7 @@
         </p:sp>
         <p:sp>
           <p:nvSpPr>
-            <p:cNvPr id="200" name="Google Shape;200;p23"/>
+            <p:cNvPr id="202" name="Google Shape;202;p23"/>
             <p:cNvSpPr txBox="1"/>
             <p:nvPr/>
           </p:nvSpPr>
@@ -9242,7 +9242,7 @@
       </p:grpSp>
       <p:sp>
         <p:nvSpPr>
-          <p:cNvPr id="201" name="Google Shape;201;p23"/>
+          <p:cNvPr id="203" name="Google Shape;203;p23"/>
           <p:cNvSpPr txBox="1"/>
           <p:nvPr>
             <p:ph idx="4294967295" type="body"/>
@@ -9290,7 +9290,7 @@
       </p:sp>
       <p:sp>
         <p:nvSpPr>
-          <p:cNvPr id="202" name="Google Shape;202;p23"/>
+          <p:cNvPr id="204" name="Google Shape;204;p23"/>
           <p:cNvSpPr txBox="1"/>
           <p:nvPr>
             <p:ph idx="4294967295" type="body"/>
@@ -9341,7 +9341,7 @@
   <p:cSld>
     <p:spTree>
       <p:nvGrpSpPr>
-        <p:cNvPr id="206" name="Shape 206"/>
+        <p:cNvPr id="208" name="Shape 208"/>
         <p:cNvGrpSpPr/>
         <p:nvPr/>
       </p:nvGrpSpPr>
@@ -9355,7 +9355,7 @@
       </p:grpSpPr>
       <p:sp>
         <p:nvSpPr>
-          <p:cNvPr id="207" name="Google Shape;207;p24"/>
+          <p:cNvPr id="209" name="Google Shape;209;p24"/>
           <p:cNvSpPr txBox="1"/>
           <p:nvPr/>
         </p:nvSpPr>
@@ -10339,8 +10339,8 @@
         </p:blipFill>
         <p:spPr>
           <a:xfrm>
-            <a:off x="1847850" y="1176338"/>
-            <a:ext cx="5448300" cy="2790825"/>
+            <a:off x="4692351" y="1334049"/>
+            <a:ext cx="4133033" cy="2754676"/>
           </a:xfrm>
           <a:prstGeom prst="rect">
             <a:avLst/>
@@ -10351,6 +10351,112 @@
           </a:ln>
         </p:spPr>
       </p:pic>
+      <p:pic>
+        <p:nvPicPr>
+          <p:cNvPr id="114" name="Google Shape;114;p17"/>
+          <p:cNvPicPr preferRelativeResize="0"/>
+          <p:nvPr/>
+        </p:nvPicPr>
+        <p:blipFill>
+          <a:blip r:embed="rId4">
+            <a:alphaModFix/>
+          </a:blip>
+          <a:stretch>
+            <a:fillRect/>
+          </a:stretch>
+        </p:blipFill>
+        <p:spPr>
+          <a:xfrm>
+            <a:off x="258450" y="1334050"/>
+            <a:ext cx="4133023" cy="2754676"/>
+          </a:xfrm>
+          <a:prstGeom prst="rect">
+            <a:avLst/>
+          </a:prstGeom>
+          <a:noFill/>
+          <a:ln>
+            <a:noFill/>
+          </a:ln>
+        </p:spPr>
+      </p:pic>
+      <p:sp>
+        <p:nvSpPr>
+          <p:cNvPr id="115" name="Google Shape;115;p17"/>
+          <p:cNvSpPr txBox="1"/>
+          <p:nvPr/>
+        </p:nvSpPr>
+        <p:spPr>
+          <a:xfrm>
+            <a:off x="1537250" y="574250"/>
+            <a:ext cx="5460000" cy="615600"/>
+          </a:xfrm>
+          <a:prstGeom prst="rect">
+            <a:avLst/>
+          </a:prstGeom>
+          <a:noFill/>
+          <a:ln>
+            <a:noFill/>
+          </a:ln>
+        </p:spPr>
+        <p:txBody>
+          <a:bodyPr anchorCtr="0" anchor="t" bIns="91425" lIns="91425" spcFirstLastPara="1" rIns="91425" wrap="square" tIns="91425">
+            <a:spAutoFit/>
+          </a:bodyPr>
+          <a:lstStyle/>
+          <a:p>
+            <a:pPr indent="0" lvl="0" marL="0" rtl="0" algn="l">
+              <a:spcBef>
+                <a:spcPts val="0"/>
+              </a:spcBef>
+              <a:spcAft>
+                <a:spcPts val="0"/>
+              </a:spcAft>
+              <a:buNone/>
+            </a:pPr>
+            <a:r>
+              <a:rPr lang="pt-BR">
+                <a:latin typeface="Roboto"/>
+                <a:ea typeface="Roboto"/>
+                <a:cs typeface="Roboto"/>
+                <a:sym typeface="Roboto"/>
+              </a:rPr>
+              <a:t>Comparing wordcloud with two methods for removing stopwords: </a:t>
+            </a:r>
+            <a:endParaRPr>
+              <a:latin typeface="Roboto"/>
+              <a:ea typeface="Roboto"/>
+              <a:cs typeface="Roboto"/>
+              <a:sym typeface="Roboto"/>
+            </a:endParaRPr>
+          </a:p>
+          <a:p>
+            <a:pPr indent="0" lvl="0" marL="0" rtl="0" algn="l">
+              <a:spcBef>
+                <a:spcPts val="0"/>
+              </a:spcBef>
+              <a:spcAft>
+                <a:spcPts val="0"/>
+              </a:spcAft>
+              <a:buNone/>
+            </a:pPr>
+            <a:r>
+              <a:rPr lang="pt-BR">
+                <a:latin typeface="Roboto"/>
+                <a:ea typeface="Roboto"/>
+                <a:cs typeface="Roboto"/>
+                <a:sym typeface="Roboto"/>
+              </a:rPr>
+              <a:t>wordcloud list and nltk list</a:t>
+            </a:r>
+            <a:endParaRPr>
+              <a:latin typeface="Roboto"/>
+              <a:ea typeface="Roboto"/>
+              <a:cs typeface="Roboto"/>
+              <a:sym typeface="Roboto"/>
+            </a:endParaRPr>
+          </a:p>
+        </p:txBody>
+      </p:sp>
     </p:spTree>
   </p:cSld>
   <p:clrMapOvr>
@@ -10364,7 +10470,7 @@
   <p:cSld>
     <p:spTree>
       <p:nvGrpSpPr>
-        <p:cNvPr id="117" name="Shape 117"/>
+        <p:cNvPr id="119" name="Shape 119"/>
         <p:cNvGrpSpPr/>
         <p:nvPr/>
       </p:nvGrpSpPr>
@@ -10378,7 +10484,7 @@
       </p:grpSpPr>
       <p:sp>
         <p:nvSpPr>
-          <p:cNvPr id="118" name="Google Shape;118;p18"/>
+          <p:cNvPr id="120" name="Google Shape;120;p18"/>
           <p:cNvSpPr/>
           <p:nvPr/>
         </p:nvSpPr>
@@ -10425,7 +10531,7 @@
       </p:sp>
       <p:grpSp>
         <p:nvGrpSpPr>
-          <p:cNvPr id="119" name="Google Shape;119;p18"/>
+          <p:cNvPr id="121" name="Google Shape;121;p18"/>
           <p:cNvGrpSpPr/>
           <p:nvPr/>
         </p:nvGrpSpPr>
@@ -10439,7 +10545,7 @@
         </p:grpSpPr>
         <p:cxnSp>
           <p:nvCxnSpPr>
-            <p:cNvPr id="120" name="Google Shape;120;p18"/>
+            <p:cNvPr id="122" name="Google Shape;122;p18"/>
             <p:cNvCxnSpPr/>
             <p:nvPr/>
           </p:nvCxnSpPr>
@@ -10465,7 +10571,7 @@
         </p:cxnSp>
         <p:cxnSp>
           <p:nvCxnSpPr>
-            <p:cNvPr id="121" name="Google Shape;121;p18"/>
+            <p:cNvPr id="123" name="Google Shape;123;p18"/>
             <p:cNvCxnSpPr/>
             <p:nvPr/>
           </p:nvCxnSpPr>
@@ -10491,7 +10597,7 @@
         </p:cxnSp>
         <p:cxnSp>
           <p:nvCxnSpPr>
-            <p:cNvPr id="122" name="Google Shape;122;p18"/>
+            <p:cNvPr id="124" name="Google Shape;124;p18"/>
             <p:cNvCxnSpPr/>
             <p:nvPr/>
           </p:nvCxnSpPr>
@@ -10517,7 +10623,7 @@
         </p:cxnSp>
         <p:cxnSp>
           <p:nvCxnSpPr>
-            <p:cNvPr id="123" name="Google Shape;123;p18"/>
+            <p:cNvPr id="125" name="Google Shape;125;p18"/>
             <p:cNvCxnSpPr/>
             <p:nvPr/>
           </p:nvCxnSpPr>
@@ -10543,7 +10649,7 @@
         </p:cxnSp>
         <p:cxnSp>
           <p:nvCxnSpPr>
-            <p:cNvPr id="124" name="Google Shape;124;p18"/>
+            <p:cNvPr id="126" name="Google Shape;126;p18"/>
             <p:cNvCxnSpPr/>
             <p:nvPr/>
           </p:nvCxnSpPr>
@@ -10569,7 +10675,7 @@
         </p:cxnSp>
         <p:cxnSp>
           <p:nvCxnSpPr>
-            <p:cNvPr id="125" name="Google Shape;125;p18"/>
+            <p:cNvPr id="127" name="Google Shape;127;p18"/>
             <p:cNvCxnSpPr/>
             <p:nvPr/>
           </p:nvCxnSpPr>
@@ -10595,7 +10701,7 @@
         </p:cxnSp>
         <p:cxnSp>
           <p:nvCxnSpPr>
-            <p:cNvPr id="126" name="Google Shape;126;p18"/>
+            <p:cNvPr id="128" name="Google Shape;128;p18"/>
             <p:cNvCxnSpPr/>
             <p:nvPr/>
           </p:nvCxnSpPr>
@@ -10621,7 +10727,7 @@
         </p:cxnSp>
         <p:cxnSp>
           <p:nvCxnSpPr>
-            <p:cNvPr id="127" name="Google Shape;127;p18"/>
+            <p:cNvPr id="129" name="Google Shape;129;p18"/>
             <p:cNvCxnSpPr/>
             <p:nvPr/>
           </p:nvCxnSpPr>
@@ -10647,7 +10753,7 @@
         </p:cxnSp>
         <p:cxnSp>
           <p:nvCxnSpPr>
-            <p:cNvPr id="128" name="Google Shape;128;p18"/>
+            <p:cNvPr id="130" name="Google Shape;130;p18"/>
             <p:cNvCxnSpPr/>
             <p:nvPr/>
           </p:nvCxnSpPr>
@@ -10673,7 +10779,7 @@
         </p:cxnSp>
         <p:cxnSp>
           <p:nvCxnSpPr>
-            <p:cNvPr id="129" name="Google Shape;129;p18"/>
+            <p:cNvPr id="131" name="Google Shape;131;p18"/>
             <p:cNvCxnSpPr/>
             <p:nvPr/>
           </p:nvCxnSpPr>
@@ -10700,7 +10806,7 @@
       </p:grpSp>
       <p:sp>
         <p:nvSpPr>
-          <p:cNvPr id="130" name="Google Shape;130;p18"/>
+          <p:cNvPr id="132" name="Google Shape;132;p18"/>
           <p:cNvSpPr/>
           <p:nvPr/>
         </p:nvSpPr>
@@ -10747,7 +10853,7 @@
       </p:sp>
       <p:sp>
         <p:nvSpPr>
-          <p:cNvPr id="131" name="Google Shape;131;p18"/>
+          <p:cNvPr id="133" name="Google Shape;133;p18"/>
           <p:cNvSpPr txBox="1"/>
           <p:nvPr>
             <p:ph type="title"/>
@@ -10803,7 +10909,7 @@
       </p:sp>
       <p:sp>
         <p:nvSpPr>
-          <p:cNvPr id="132" name="Google Shape;132;p18"/>
+          <p:cNvPr id="134" name="Google Shape;134;p18"/>
           <p:cNvSpPr txBox="1"/>
           <p:nvPr>
             <p:ph idx="1" type="subTitle"/>
@@ -10842,7 +10948,7 @@
       </p:sp>
       <p:grpSp>
         <p:nvGrpSpPr>
-          <p:cNvPr id="133" name="Google Shape;133;p18"/>
+          <p:cNvPr id="135" name="Google Shape;135;p18"/>
           <p:cNvGrpSpPr/>
           <p:nvPr/>
         </p:nvGrpSpPr>
@@ -10856,7 +10962,7 @@
         </p:grpSpPr>
         <p:sp>
           <p:nvSpPr>
-            <p:cNvPr id="134" name="Google Shape;134;p18"/>
+            <p:cNvPr id="136" name="Google Shape;136;p18"/>
             <p:cNvSpPr/>
             <p:nvPr/>
           </p:nvSpPr>
@@ -10934,7 +11040,7 @@
         </p:sp>
         <p:sp>
           <p:nvSpPr>
-            <p:cNvPr id="135" name="Google Shape;135;p18"/>
+            <p:cNvPr id="137" name="Google Shape;137;p18"/>
             <p:cNvSpPr/>
             <p:nvPr/>
           </p:nvSpPr>
@@ -10983,7 +11089,7 @@
         </p:sp>
         <p:sp>
           <p:nvSpPr>
-            <p:cNvPr id="136" name="Google Shape;136;p18"/>
+            <p:cNvPr id="138" name="Google Shape;138;p18"/>
             <p:cNvSpPr/>
             <p:nvPr/>
           </p:nvSpPr>
@@ -11032,7 +11138,7 @@
         </p:sp>
         <p:sp>
           <p:nvSpPr>
-            <p:cNvPr id="137" name="Google Shape;137;p18"/>
+            <p:cNvPr id="139" name="Google Shape;139;p18"/>
             <p:cNvSpPr/>
             <p:nvPr/>
           </p:nvSpPr>
@@ -11081,7 +11187,7 @@
         </p:sp>
         <p:sp>
           <p:nvSpPr>
-            <p:cNvPr id="138" name="Google Shape;138;p18"/>
+            <p:cNvPr id="140" name="Google Shape;140;p18"/>
             <p:cNvSpPr/>
             <p:nvPr/>
           </p:nvSpPr>
@@ -11130,7 +11236,7 @@
         </p:sp>
         <p:sp>
           <p:nvSpPr>
-            <p:cNvPr id="139" name="Google Shape;139;p18"/>
+            <p:cNvPr id="141" name="Google Shape;141;p18"/>
             <p:cNvSpPr/>
             <p:nvPr/>
           </p:nvSpPr>
@@ -11179,7 +11285,7 @@
         </p:sp>
         <p:sp>
           <p:nvSpPr>
-            <p:cNvPr id="140" name="Google Shape;140;p18"/>
+            <p:cNvPr id="142" name="Google Shape;142;p18"/>
             <p:cNvSpPr/>
             <p:nvPr/>
           </p:nvSpPr>
@@ -11228,7 +11334,7 @@
         </p:sp>
         <p:sp>
           <p:nvSpPr>
-            <p:cNvPr id="141" name="Google Shape;141;p18"/>
+            <p:cNvPr id="143" name="Google Shape;143;p18"/>
             <p:cNvSpPr/>
             <p:nvPr/>
           </p:nvSpPr>
@@ -11277,7 +11383,7 @@
         </p:sp>
         <p:sp>
           <p:nvSpPr>
-            <p:cNvPr id="142" name="Google Shape;142;p18"/>
+            <p:cNvPr id="144" name="Google Shape;144;p18"/>
             <p:cNvSpPr/>
             <p:nvPr/>
           </p:nvSpPr>
@@ -11327,7 +11433,7 @@
       </p:grpSp>
       <p:sp>
         <p:nvSpPr>
-          <p:cNvPr id="143" name="Google Shape;143;p18"/>
+          <p:cNvPr id="145" name="Google Shape;145;p18"/>
           <p:cNvSpPr/>
           <p:nvPr/>
         </p:nvSpPr>
@@ -11374,7 +11480,7 @@
       </p:sp>
       <p:grpSp>
         <p:nvGrpSpPr>
-          <p:cNvPr id="144" name="Google Shape;144;p18"/>
+          <p:cNvPr id="146" name="Google Shape;146;p18"/>
           <p:cNvGrpSpPr/>
           <p:nvPr/>
         </p:nvGrpSpPr>
@@ -11388,7 +11494,7 @@
         </p:grpSpPr>
         <p:sp>
           <p:nvSpPr>
-            <p:cNvPr id="145" name="Google Shape;145;p18"/>
+            <p:cNvPr id="147" name="Google Shape;147;p18"/>
             <p:cNvSpPr/>
             <p:nvPr/>
           </p:nvSpPr>
@@ -11466,7 +11572,7 @@
         </p:sp>
         <p:sp>
           <p:nvSpPr>
-            <p:cNvPr id="146" name="Google Shape;146;p18"/>
+            <p:cNvPr id="148" name="Google Shape;148;p18"/>
             <p:cNvSpPr/>
             <p:nvPr/>
           </p:nvSpPr>
@@ -11515,7 +11621,7 @@
         </p:sp>
         <p:sp>
           <p:nvSpPr>
-            <p:cNvPr id="147" name="Google Shape;147;p18"/>
+            <p:cNvPr id="149" name="Google Shape;149;p18"/>
             <p:cNvSpPr/>
             <p:nvPr/>
           </p:nvSpPr>
@@ -11564,7 +11670,7 @@
         </p:sp>
         <p:sp>
           <p:nvSpPr>
-            <p:cNvPr id="148" name="Google Shape;148;p18"/>
+            <p:cNvPr id="150" name="Google Shape;150;p18"/>
             <p:cNvSpPr/>
             <p:nvPr/>
           </p:nvSpPr>
@@ -11613,7 +11719,7 @@
         </p:sp>
         <p:sp>
           <p:nvSpPr>
-            <p:cNvPr id="149" name="Google Shape;149;p18"/>
+            <p:cNvPr id="151" name="Google Shape;151;p18"/>
             <p:cNvSpPr/>
             <p:nvPr/>
           </p:nvSpPr>
@@ -11662,7 +11768,7 @@
         </p:sp>
         <p:sp>
           <p:nvSpPr>
-            <p:cNvPr id="150" name="Google Shape;150;p18"/>
+            <p:cNvPr id="152" name="Google Shape;152;p18"/>
             <p:cNvSpPr/>
             <p:nvPr/>
           </p:nvSpPr>
@@ -11711,7 +11817,7 @@
         </p:sp>
         <p:sp>
           <p:nvSpPr>
-            <p:cNvPr id="151" name="Google Shape;151;p18"/>
+            <p:cNvPr id="153" name="Google Shape;153;p18"/>
             <p:cNvSpPr/>
             <p:nvPr/>
           </p:nvSpPr>
@@ -11760,7 +11866,7 @@
         </p:sp>
         <p:sp>
           <p:nvSpPr>
-            <p:cNvPr id="152" name="Google Shape;152;p18"/>
+            <p:cNvPr id="154" name="Google Shape;154;p18"/>
             <p:cNvSpPr/>
             <p:nvPr/>
           </p:nvSpPr>
@@ -11809,7 +11915,7 @@
         </p:sp>
         <p:sp>
           <p:nvSpPr>
-            <p:cNvPr id="153" name="Google Shape;153;p18"/>
+            <p:cNvPr id="155" name="Google Shape;155;p18"/>
             <p:cNvSpPr/>
             <p:nvPr/>
           </p:nvSpPr>
@@ -11859,7 +11965,7 @@
       </p:grpSp>
       <p:sp>
         <p:nvSpPr>
-          <p:cNvPr id="154" name="Google Shape;154;p18"/>
+          <p:cNvPr id="156" name="Google Shape;156;p18"/>
           <p:cNvSpPr txBox="1"/>
           <p:nvPr>
             <p:ph idx="2" type="body"/>
@@ -11918,7 +12024,7 @@
   <p:cSld>
     <p:spTree>
       <p:nvGrpSpPr>
-        <p:cNvPr id="158" name="Shape 158"/>
+        <p:cNvPr id="160" name="Shape 160"/>
         <p:cNvGrpSpPr/>
         <p:nvPr/>
       </p:nvGrpSpPr>
@@ -11932,7 +12038,7 @@
       </p:grpSpPr>
       <p:sp>
         <p:nvSpPr>
-          <p:cNvPr id="159" name="Google Shape;159;p19"/>
+          <p:cNvPr id="161" name="Google Shape;161;p19"/>
           <p:cNvSpPr txBox="1"/>
           <p:nvPr>
             <p:ph type="title"/>
@@ -12003,7 +12109,7 @@
       </p:sp>
       <p:sp>
         <p:nvSpPr>
-          <p:cNvPr id="160" name="Google Shape;160;p19"/>
+          <p:cNvPr id="162" name="Google Shape;162;p19"/>
           <p:cNvSpPr txBox="1"/>
           <p:nvPr>
             <p:ph idx="1" type="body"/>
@@ -12061,7 +12167,7 @@
       </p:sp>
       <p:pic>
         <p:nvPicPr>
-          <p:cNvPr id="161" name="Google Shape;161;p19"/>
+          <p:cNvPr id="163" name="Google Shape;163;p19"/>
           <p:cNvPicPr preferRelativeResize="0"/>
           <p:nvPr/>
         </p:nvPicPr>
@@ -12088,7 +12194,7 @@
       </p:pic>
       <p:sp>
         <p:nvSpPr>
-          <p:cNvPr id="162" name="Google Shape;162;p19"/>
+          <p:cNvPr id="164" name="Google Shape;164;p19"/>
           <p:cNvSpPr/>
           <p:nvPr/>
         </p:nvSpPr>
@@ -12178,7 +12284,7 @@
       </p:sp>
       <p:sp>
         <p:nvSpPr>
-          <p:cNvPr id="163" name="Google Shape;163;p19"/>
+          <p:cNvPr id="165" name="Google Shape;165;p19"/>
           <p:cNvSpPr/>
           <p:nvPr/>
         </p:nvSpPr>
@@ -12280,9 +12386,9 @@
       </p:sp>
       <p:cxnSp>
         <p:nvCxnSpPr>
-          <p:cNvPr id="164" name="Google Shape;164;p19"/>
+          <p:cNvPr id="166" name="Google Shape;166;p19"/>
           <p:cNvCxnSpPr>
-            <a:stCxn id="162" idx="6"/>
+            <a:stCxn id="164" idx="6"/>
           </p:cNvCxnSpPr>
           <p:nvPr/>
         </p:nvCxnSpPr>
@@ -12308,7 +12414,7 @@
       </p:cxnSp>
       <p:sp>
         <p:nvSpPr>
-          <p:cNvPr id="165" name="Google Shape;165;p19"/>
+          <p:cNvPr id="167" name="Google Shape;167;p19"/>
           <p:cNvSpPr txBox="1"/>
           <p:nvPr/>
         </p:nvSpPr>
@@ -12374,7 +12480,7 @@
   <p:cSld>
     <p:spTree>
       <p:nvGrpSpPr>
-        <p:cNvPr id="169" name="Shape 169"/>
+        <p:cNvPr id="171" name="Shape 171"/>
         <p:cNvGrpSpPr/>
         <p:nvPr/>
       </p:nvGrpSpPr>
@@ -12388,7 +12494,7 @@
       </p:grpSpPr>
       <p:sp>
         <p:nvSpPr>
-          <p:cNvPr id="170" name="Google Shape;170;p20"/>
+          <p:cNvPr id="172" name="Google Shape;172;p20"/>
           <p:cNvSpPr txBox="1"/>
           <p:nvPr>
             <p:ph type="title"/>
@@ -12428,7 +12534,7 @@
       </p:sp>
       <p:pic>
         <p:nvPicPr>
-          <p:cNvPr id="171" name="Google Shape;171;p20"/>
+          <p:cNvPr id="173" name="Google Shape;173;p20"/>
           <p:cNvPicPr preferRelativeResize="0"/>
           <p:nvPr/>
         </p:nvPicPr>
@@ -12456,7 +12562,7 @@
       </p:pic>
       <p:pic>
         <p:nvPicPr>
-          <p:cNvPr id="172" name="Google Shape;172;p20"/>
+          <p:cNvPr id="174" name="Google Shape;174;p20"/>
           <p:cNvPicPr preferRelativeResize="0"/>
           <p:nvPr/>
         </p:nvPicPr>
@@ -12495,7 +12601,7 @@
   <p:cSld>
     <p:spTree>
       <p:nvGrpSpPr>
-        <p:cNvPr id="176" name="Shape 176"/>
+        <p:cNvPr id="178" name="Shape 178"/>
         <p:cNvGrpSpPr/>
         <p:nvPr/>
       </p:nvGrpSpPr>
@@ -12509,7 +12615,7 @@
       </p:grpSpPr>
       <p:sp>
         <p:nvSpPr>
-          <p:cNvPr id="177" name="Google Shape;177;p21"/>
+          <p:cNvPr id="179" name="Google Shape;179;p21"/>
           <p:cNvSpPr txBox="1"/>
           <p:nvPr>
             <p:ph type="title"/>
